--- a/PresentationSlides/Virtual Queue Presentation Final Kenneth Kon.pptx
+++ b/PresentationSlides/Virtual Queue Presentation Final Kenneth Kon.pptx
@@ -5,7 +5,7 @@
     <p:sldMasterId id="2147483696" r:id="rId1"/>
   </p:sldMasterIdLst>
   <p:notesMasterIdLst>
-    <p:notesMasterId r:id="rId30"/>
+    <p:notesMasterId r:id="rId22"/>
   </p:notesMasterIdLst>
   <p:sldIdLst>
     <p:sldId id="256" r:id="rId2"/>
@@ -18,24 +18,16 @@
     <p:sldId id="302" r:id="rId9"/>
     <p:sldId id="306" r:id="rId10"/>
     <p:sldId id="301" r:id="rId11"/>
-    <p:sldId id="308" r:id="rId12"/>
-    <p:sldId id="303" r:id="rId13"/>
-    <p:sldId id="304" r:id="rId14"/>
-    <p:sldId id="309" r:id="rId15"/>
-    <p:sldId id="310" r:id="rId16"/>
-    <p:sldId id="311" r:id="rId17"/>
-    <p:sldId id="312" r:id="rId18"/>
-    <p:sldId id="314" r:id="rId19"/>
-    <p:sldId id="316" r:id="rId20"/>
-    <p:sldId id="320" r:id="rId21"/>
-    <p:sldId id="319" r:id="rId22"/>
-    <p:sldId id="323" r:id="rId23"/>
-    <p:sldId id="313" r:id="rId24"/>
-    <p:sldId id="315" r:id="rId25"/>
-    <p:sldId id="317" r:id="rId26"/>
-    <p:sldId id="318" r:id="rId27"/>
-    <p:sldId id="321" r:id="rId28"/>
-    <p:sldId id="322" r:id="rId29"/>
+    <p:sldId id="304" r:id="rId12"/>
+    <p:sldId id="309" r:id="rId13"/>
+    <p:sldId id="310" r:id="rId14"/>
+    <p:sldId id="311" r:id="rId15"/>
+    <p:sldId id="312" r:id="rId16"/>
+    <p:sldId id="314" r:id="rId17"/>
+    <p:sldId id="316" r:id="rId18"/>
+    <p:sldId id="320" r:id="rId19"/>
+    <p:sldId id="319" r:id="rId20"/>
+    <p:sldId id="323" r:id="rId21"/>
   </p:sldIdLst>
   <p:sldSz cx="9144000" cy="6858000" type="screen4x3"/>
   <p:notesSz cx="6858000" cy="9144000"/>
@@ -255,9 +247,9 @@
           <c:layoutTarget val="inner"/>
           <c:xMode val="edge"/>
           <c:yMode val="edge"/>
-          <c:x val="7.0982972048280094E-2"/>
+          <c:x val="7.0982972048280107E-2"/>
           <c:y val="0.15217783578566099"/>
-          <c:w val="0.88846019915959717"/>
+          <c:w val="0.88846019915959729"/>
           <c:h val="0.84782216421433898"/>
         </c:manualLayout>
       </c:layout>
@@ -641,24 +633,24 @@
           </c:val>
         </c:ser>
         <c:overlap val="100"/>
-        <c:axId val="103817216"/>
-        <c:axId val="103818752"/>
+        <c:axId val="140330880"/>
+        <c:axId val="140332416"/>
       </c:barChart>
       <c:catAx>
-        <c:axId val="103817216"/>
+        <c:axId val="140330880"/>
         <c:scaling>
           <c:orientation val="maxMin"/>
         </c:scaling>
         <c:axPos val="l"/>
         <c:tickLblPos val="nextTo"/>
-        <c:crossAx val="103818752"/>
+        <c:crossAx val="140332416"/>
         <c:crosses val="autoZero"/>
         <c:auto val="1"/>
         <c:lblAlgn val="ctr"/>
         <c:lblOffset val="100"/>
       </c:catAx>
       <c:valAx>
-        <c:axId val="103818752"/>
+        <c:axId val="140332416"/>
         <c:scaling>
           <c:orientation val="minMax"/>
           <c:min val="42037"/>
@@ -667,7 +659,7 @@
         <c:majorGridlines/>
         <c:numFmt formatCode="m/d/yy;@" sourceLinked="0"/>
         <c:tickLblPos val="nextTo"/>
-        <c:crossAx val="103817216"/>
+        <c:crossAx val="140330880"/>
         <c:crosses val="autoZero"/>
         <c:crossBetween val="between"/>
       </c:valAx>
@@ -1168,7 +1160,7 @@
     </p:spTree>
     <p:extLst>
       <p:ext uri="{BB962C8B-B14F-4D97-AF65-F5344CB8AC3E}">
-        <p14:creationId xmlns:p14="http://schemas.microsoft.com/office/powerpoint/2010/main" xmlns="" val="4196165097"/>
+        <p14:creationId xmlns="" xmlns:p14="http://schemas.microsoft.com/office/powerpoint/2010/main" val="4196165097"/>
       </p:ext>
     </p:extLst>
   </p:cSld>
@@ -1568,7 +1560,7 @@
     </p:spTree>
     <p:extLst>
       <p:ext uri="{BB962C8B-B14F-4D97-AF65-F5344CB8AC3E}">
-        <p14:creationId xmlns="" xmlns:p14="http://schemas.microsoft.com/office/powerpoint/2010/main" val="4090326190"/>
+        <p14:creationId xmlns:p14="http://schemas.microsoft.com/office/powerpoint/2010/main" xmlns="" val="4090326190"/>
       </p:ext>
     </p:extLst>
   </p:cSld>
@@ -1793,7 +1785,7 @@
                 <a:buSzPct val="25000"/>
                 <a:buNone/>
               </a:pPr>
-              <a:t>14</a:t>
+              <a:t>12</a:t>
             </a:fld>
             <a:endParaRPr lang="en-US"/>
           </a:p>
@@ -1932,7 +1924,7 @@
                 <a:buSzPct val="25000"/>
                 <a:buNone/>
               </a:pPr>
-              <a:t>15</a:t>
+              <a:t>13</a:t>
             </a:fld>
             <a:endParaRPr lang="en-US"/>
           </a:p>
@@ -2071,7 +2063,7 @@
                 <a:buSzPct val="25000"/>
                 <a:buNone/>
               </a:pPr>
-              <a:t>16</a:t>
+              <a:t>14</a:t>
             </a:fld>
             <a:endParaRPr lang="en-US"/>
           </a:p>
@@ -7235,175 +7227,83 @@
         <p:spPr/>
         <p:txBody>
           <a:bodyPr>
-            <a:normAutofit fontScale="47500" lnSpcReduction="20000"/>
+            <a:normAutofit/>
           </a:bodyPr>
           <a:lstStyle/>
           <a:p>
-            <a:r>
-              <a:rPr lang="en-US" i="1" dirty="0" smtClean="0"/>
-              <a:t>Use Case ID: </a:t>
-            </a:r>
-            <a:r>
-              <a:rPr lang="en-US" b="1" dirty="0" smtClean="0"/>
-              <a:t>VQ19 – Simulate </a:t>
-            </a:r>
-            <a:r>
-              <a:rPr lang="en-US" b="1" dirty="0" err="1" smtClean="0"/>
-              <a:t>Dequeue</a:t>
-            </a:r>
-            <a:r>
-              <a:rPr lang="en-US" b="1" dirty="0" smtClean="0"/>
-              <a:t> Visitors from </a:t>
-            </a:r>
-            <a:r>
-              <a:rPr lang="en-US" b="1" dirty="0" err="1" smtClean="0"/>
-              <a:t>Rides</a:t>
-            </a:r>
-            <a:r>
-              <a:rPr lang="en-US" i="1" dirty="0" err="1" smtClean="0"/>
-              <a:t>Descriptions</a:t>
-            </a:r>
-            <a:r>
-              <a:rPr lang="en-US" i="1" dirty="0" smtClean="0"/>
-              <a:t>:</a:t>
-            </a:r>
-            <a:r>
-              <a:rPr lang="en-US" dirty="0" smtClean="0"/>
-              <a:t> Admin has ability to remove queues records for particular rides.</a:t>
-            </a:r>
-          </a:p>
-          <a:p>
-            <a:r>
-              <a:rPr lang="en-US" i="1" dirty="0" smtClean="0"/>
-              <a:t>User Story:</a:t>
-            </a:r>
-            <a:r>
-              <a:rPr lang="en-US" dirty="0" smtClean="0"/>
-              <a:t> #90 Simulate Queue for admin: Add Multiple Visitors to Rides</a:t>
-            </a:r>
-          </a:p>
-          <a:p>
-            <a:r>
-              <a:rPr lang="en-US" i="1" dirty="0" smtClean="0"/>
-              <a:t>Actors: </a:t>
-            </a:r>
-            <a:r>
-              <a:rPr lang="en-US" dirty="0" smtClean="0"/>
-              <a:t>Single Venue Admin</a:t>
-            </a:r>
-          </a:p>
-          <a:p>
-            <a:r>
-              <a:rPr lang="en-US" i="1" dirty="0" smtClean="0"/>
-              <a:t>Pre-condition:</a:t>
-            </a:r>
-            <a:endParaRPr lang="en-US" dirty="0" smtClean="0"/>
-          </a:p>
-          <a:p>
-            <a:r>
-              <a:rPr lang="en-US" dirty="0" smtClean="0"/>
-              <a:t>1.      Admin is logged in.</a:t>
-            </a:r>
-          </a:p>
-          <a:p>
-            <a:r>
-              <a:rPr lang="en-US" dirty="0" smtClean="0"/>
-              <a:t> </a:t>
-            </a:r>
-          </a:p>
-          <a:p>
-            <a:r>
-              <a:rPr lang="en-US" i="1" dirty="0" smtClean="0"/>
-              <a:t>Steps:</a:t>
-            </a:r>
-            <a:endParaRPr lang="en-US" dirty="0" smtClean="0"/>
-          </a:p>
-          <a:p>
-            <a:r>
-              <a:rPr lang="en-US" dirty="0" smtClean="0"/>
-              <a:t>1.      </a:t>
-            </a:r>
-            <a:r>
-              <a:rPr lang="en-US" u="sng" dirty="0" smtClean="0"/>
-              <a:t>Use case begins</a:t>
-            </a:r>
-            <a:r>
-              <a:rPr lang="en-US" dirty="0" smtClean="0"/>
-              <a:t> when admin clicks on admin ride tab.</a:t>
-            </a:r>
-          </a:p>
-          <a:p>
-            <a:r>
-              <a:rPr lang="en-US" dirty="0" smtClean="0"/>
-              <a:t>2.      Then the Admin Ride Table will be populated with all active rides and total # of records queued in that venue.</a:t>
-            </a:r>
-          </a:p>
-          <a:p>
-            <a:r>
-              <a:rPr lang="en-US" dirty="0" smtClean="0"/>
-              <a:t>3.      </a:t>
-            </a:r>
-            <a:r>
-              <a:rPr lang="en-US" u="sng" dirty="0" smtClean="0"/>
-              <a:t>Use case ends </a:t>
-            </a:r>
-            <a:r>
-              <a:rPr lang="en-US" dirty="0" smtClean="0"/>
-              <a:t> the Admin presses the Admin Remove Queue button for specific ride from the table.</a:t>
-            </a:r>
-          </a:p>
-          <a:p>
-            <a:r>
-              <a:rPr lang="en-US" dirty="0" smtClean="0"/>
-              <a:t> </a:t>
-            </a:r>
-          </a:p>
-          <a:p>
-            <a:r>
-              <a:rPr lang="en-US" dirty="0" smtClean="0"/>
-              <a:t> </a:t>
-            </a:r>
-          </a:p>
-          <a:p>
-            <a:r>
-              <a:rPr lang="en-US" i="1" dirty="0" smtClean="0"/>
-              <a:t>Post-conditions:</a:t>
-            </a:r>
-            <a:endParaRPr lang="en-US" dirty="0" smtClean="0"/>
-          </a:p>
-          <a:p>
-            <a:r>
-              <a:rPr lang="en-US" dirty="0" smtClean="0"/>
-              <a:t>1.      The system shall update the queue, by removing # equal to the rides max capacity.</a:t>
-            </a:r>
-          </a:p>
-          <a:p>
-            <a:r>
-              <a:rPr lang="en-US" dirty="0" smtClean="0"/>
-              <a:t>2.      The system shall update the number of queue records on the Admin Ride Table for that specific ride.</a:t>
-            </a:r>
-          </a:p>
-          <a:p>
-            <a:r>
-              <a:rPr lang="en-US" dirty="0" smtClean="0"/>
-              <a:t> </a:t>
-            </a:r>
-          </a:p>
-          <a:p>
-            <a:r>
-              <a:rPr lang="en-US" i="1" dirty="0" smtClean="0"/>
-              <a:t>Alternative Courses of Action:</a:t>
-            </a:r>
-            <a:endParaRPr lang="en-US" dirty="0" smtClean="0"/>
-          </a:p>
-          <a:p>
-            <a:r>
-              <a:rPr lang="en-US" dirty="0" smtClean="0"/>
-              <a:t>1.      In step 3, User does not press the Admin Remove Queue button.</a:t>
-            </a:r>
-          </a:p>
-          <a:p>
-            <a:endParaRPr lang="en-US" dirty="0"/>
+            <a:pPr algn="just">
+              <a:defRPr/>
+            </a:pPr>
+            <a:r>
+              <a:rPr lang="en-US" sz="2800" dirty="0" smtClean="0">
+                <a:solidFill>
+                  <a:srgbClr val="000000"/>
+                </a:solidFill>
+              </a:rPr>
+              <a:t>Architecture</a:t>
+            </a:r>
+          </a:p>
+          <a:p>
+            <a:pPr lvl="1" algn="just">
+              <a:defRPr/>
+            </a:pPr>
+            <a:r>
+              <a:rPr lang="en-US" sz="2400" dirty="0" smtClean="0">
+                <a:solidFill>
+                  <a:srgbClr val="000000"/>
+                </a:solidFill>
+              </a:rPr>
+              <a:t>Three Tier</a:t>
+            </a:r>
+          </a:p>
+          <a:p>
+            <a:pPr lvl="2" algn="just">
+              <a:defRPr/>
+            </a:pPr>
+            <a:r>
+              <a:rPr lang="en-US" sz="2400" dirty="0" smtClean="0">
+                <a:solidFill>
+                  <a:srgbClr val="000000"/>
+                </a:solidFill>
+              </a:rPr>
+              <a:t>These will allow for horizontal scalability, which will let to multiple server instances to easily handle high traffic on the site. </a:t>
+            </a:r>
+          </a:p>
+          <a:p>
+            <a:pPr lvl="2" algn="just">
+              <a:defRPr/>
+            </a:pPr>
+            <a:endParaRPr lang="en-US" sz="2400" dirty="0" smtClean="0">
+              <a:solidFill>
+                <a:srgbClr val="000000"/>
+              </a:solidFill>
+            </a:endParaRPr>
+          </a:p>
+          <a:p>
+            <a:pPr lvl="1" algn="just">
+              <a:defRPr/>
+            </a:pPr>
+            <a:r>
+              <a:rPr lang="en-US" sz="2400" dirty="0" smtClean="0">
+                <a:solidFill>
+                  <a:srgbClr val="000000"/>
+                </a:solidFill>
+              </a:rPr>
+              <a:t>Multilayer architecture</a:t>
+            </a:r>
+          </a:p>
+          <a:p>
+            <a:pPr lvl="2" algn="just">
+              <a:defRPr/>
+            </a:pPr>
+            <a:r>
+              <a:rPr lang="en-US" sz="2400" dirty="0" smtClean="0">
+                <a:solidFill>
+                  <a:srgbClr val="000000"/>
+                </a:solidFill>
+              </a:rPr>
+              <a:t>Allows decoupling each layer using interfaces contracts only to communicate between them.</a:t>
+            </a:r>
           </a:p>
         </p:txBody>
       </p:sp>
@@ -7422,9 +7322,10 @@
           <a:bodyPr/>
           <a:lstStyle/>
           <a:p>
+            <a:pPr algn="ctr"/>
             <a:r>
               <a:rPr lang="en-US" dirty="0" smtClean="0"/>
-              <a:t>Simulate Add Visitors to Rides</a:t>
+              <a:t>System Decomposition</a:t>
             </a:r>
             <a:endParaRPr lang="en-US" dirty="0"/>
           </a:p>
@@ -7464,97 +7365,6 @@
       </p:grpSpPr>
       <p:sp>
         <p:nvSpPr>
-          <p:cNvPr id="3" name="Title 2"/>
-          <p:cNvSpPr>
-            <a:spLocks noGrp="1"/>
-          </p:cNvSpPr>
-          <p:nvPr>
-            <p:ph type="title"/>
-          </p:nvPr>
-        </p:nvSpPr>
-        <p:spPr/>
-        <p:txBody>
-          <a:bodyPr>
-            <a:normAutofit fontScale="90000"/>
-          </a:bodyPr>
-          <a:lstStyle/>
-          <a:p>
-            <a:r>
-              <a:rPr lang="en-US" dirty="0" smtClean="0"/>
-              <a:t>Simulate </a:t>
-            </a:r>
-            <a:r>
-              <a:rPr lang="en-US" dirty="0" err="1" smtClean="0"/>
-              <a:t>Dequeu</a:t>
-            </a:r>
-            <a:r>
-              <a:rPr lang="en-US" dirty="0" smtClean="0"/>
-              <a:t> Visitors for Rides</a:t>
-            </a:r>
-            <a:endParaRPr lang="en-US" dirty="0"/>
-          </a:p>
-        </p:txBody>
-      </p:sp>
-      <p:pic>
-        <p:nvPicPr>
-          <p:cNvPr id="3074" name="Picture 2" descr="C:\Users\Kenneth\Pictures\final intro pics\AdminDequeu Sequence Diagram.PNG"/>
-          <p:cNvPicPr>
-            <a:picLocks noChangeAspect="1" noChangeArrowheads="1"/>
-          </p:cNvPicPr>
-          <p:nvPr/>
-        </p:nvPicPr>
-        <p:blipFill>
-          <a:blip r:embed="rId2"/>
-          <a:srcRect/>
-          <a:stretch>
-            <a:fillRect/>
-          </a:stretch>
-        </p:blipFill>
-        <p:spPr bwMode="auto">
-          <a:xfrm>
-            <a:off x="685800" y="1447800"/>
-            <a:ext cx="7620000" cy="4669202"/>
-          </a:xfrm>
-          <a:prstGeom prst="rect">
-            <a:avLst/>
-          </a:prstGeom>
-          <a:noFill/>
-        </p:spPr>
-      </p:pic>
-    </p:spTree>
-  </p:cSld>
-  <p:clrMapOvr>
-    <a:masterClrMapping/>
-  </p:clrMapOvr>
-  <p:timing>
-    <p:tnLst>
-      <p:par>
-        <p:cTn id="1" dur="indefinite" restart="never" nodeType="tmRoot"/>
-      </p:par>
-    </p:tnLst>
-  </p:timing>
-</p:sld>
-</file>
-
-<file path=ppt/slides/slide13.xml><?xml version="1.0" encoding="utf-8"?>
-<p:sld xmlns:a="http://schemas.openxmlformats.org/drawingml/2006/main" xmlns:r="http://schemas.openxmlformats.org/officeDocument/2006/relationships" xmlns:p="http://schemas.openxmlformats.org/presentationml/2006/main">
-  <p:cSld>
-    <p:spTree>
-      <p:nvGrpSpPr>
-        <p:cNvPr id="1" name=""/>
-        <p:cNvGrpSpPr/>
-        <p:nvPr/>
-      </p:nvGrpSpPr>
-      <p:grpSpPr>
-        <a:xfrm>
-          <a:off x="0" y="0"/>
-          <a:ext cx="0" cy="0"/>
-          <a:chOff x="0" y="0"/>
-          <a:chExt cx="0" cy="0"/>
-        </a:xfrm>
-      </p:grpSpPr>
-      <p:sp>
-        <p:nvSpPr>
           <p:cNvPr id="2" name="Content Placeholder 1"/>
           <p:cNvSpPr>
             <a:spLocks noGrp="1"/>
@@ -7579,7 +7389,7 @@
                   <a:srgbClr val="000000"/>
                 </a:solidFill>
               </a:rPr>
-              <a:t>Architecture</a:t>
+              <a:t>H/W requirement</a:t>
             </a:r>
           </a:p>
           <a:p>
@@ -7592,11 +7402,37 @@
                   <a:srgbClr val="000000"/>
                 </a:solidFill>
               </a:rPr>
-              <a:t>Three Tier</a:t>
-            </a:r>
-          </a:p>
-          <a:p>
-            <a:pPr lvl="2" algn="just">
+              <a:t>Computer/Smartphone with internet connection</a:t>
+            </a:r>
+          </a:p>
+          <a:p>
+            <a:pPr algn="just">
+              <a:defRPr/>
+            </a:pPr>
+            <a:r>
+              <a:rPr lang="en-US" sz="2800" dirty="0" smtClean="0">
+                <a:solidFill>
+                  <a:srgbClr val="000000"/>
+                </a:solidFill>
+              </a:rPr>
+              <a:t>S/Q </a:t>
+            </a:r>
+            <a:r>
+              <a:rPr lang="en-US" sz="2800" dirty="0" err="1" smtClean="0">
+                <a:solidFill>
+                  <a:srgbClr val="000000"/>
+                </a:solidFill>
+              </a:rPr>
+              <a:t>requirment</a:t>
+            </a:r>
+            <a:endParaRPr lang="en-US" sz="2800" dirty="0" smtClean="0">
+              <a:solidFill>
+                <a:srgbClr val="000000"/>
+              </a:solidFill>
+            </a:endParaRPr>
+          </a:p>
+          <a:p>
+            <a:pPr lvl="1" algn="just">
               <a:defRPr/>
             </a:pPr>
             <a:r>
@@ -7605,11 +7441,55 @@
                   <a:srgbClr val="000000"/>
                 </a:solidFill>
               </a:rPr>
-              <a:t>These will allow for horizontal scalability, which will let to multiple server instances to easily handle high traffic on the site. </a:t>
-            </a:r>
-          </a:p>
-          <a:p>
-            <a:pPr lvl="2" algn="just">
+              <a:t>Windows 7 or higher, with or without Virtual Machine</a:t>
+            </a:r>
+          </a:p>
+          <a:p>
+            <a:pPr lvl="1" algn="just">
+              <a:defRPr/>
+            </a:pPr>
+            <a:r>
+              <a:rPr lang="en-US" sz="2400" dirty="0" smtClean="0">
+                <a:solidFill>
+                  <a:srgbClr val="000000"/>
+                </a:solidFill>
+              </a:rPr>
+              <a:t>Tomcat version 8</a:t>
+            </a:r>
+          </a:p>
+          <a:p>
+            <a:pPr lvl="1" algn="just">
+              <a:defRPr/>
+            </a:pPr>
+            <a:r>
+              <a:rPr lang="en-US" sz="2400" dirty="0" smtClean="0">
+                <a:solidFill>
+                  <a:srgbClr val="000000"/>
+                </a:solidFill>
+              </a:rPr>
+              <a:t>Sprint 4.0 Framework</a:t>
+            </a:r>
+          </a:p>
+          <a:p>
+            <a:pPr lvl="1" algn="just">
+              <a:defRPr/>
+            </a:pPr>
+            <a:r>
+              <a:rPr lang="en-US" sz="2400" dirty="0" err="1" smtClean="0">
+                <a:solidFill>
+                  <a:srgbClr val="000000"/>
+                </a:solidFill>
+              </a:rPr>
+              <a:t>MySQL</a:t>
+            </a:r>
+            <a:endParaRPr lang="en-US" sz="2400" dirty="0" smtClean="0">
+              <a:solidFill>
+                <a:srgbClr val="000000"/>
+              </a:solidFill>
+            </a:endParaRPr>
+          </a:p>
+          <a:p>
+            <a:pPr lvl="1" algn="just">
               <a:defRPr/>
             </a:pPr>
             <a:endParaRPr lang="en-US" sz="2400" dirty="0" smtClean="0">
@@ -7617,32 +7497,6 @@
                 <a:srgbClr val="000000"/>
               </a:solidFill>
             </a:endParaRPr>
-          </a:p>
-          <a:p>
-            <a:pPr lvl="1" algn="just">
-              <a:defRPr/>
-            </a:pPr>
-            <a:r>
-              <a:rPr lang="en-US" sz="2400" dirty="0" smtClean="0">
-                <a:solidFill>
-                  <a:srgbClr val="000000"/>
-                </a:solidFill>
-              </a:rPr>
-              <a:t>Multilayer architecture</a:t>
-            </a:r>
-          </a:p>
-          <a:p>
-            <a:pPr lvl="2" algn="just">
-              <a:defRPr/>
-            </a:pPr>
-            <a:r>
-              <a:rPr lang="en-US" sz="2400" dirty="0" smtClean="0">
-                <a:solidFill>
-                  <a:srgbClr val="000000"/>
-                </a:solidFill>
-              </a:rPr>
-              <a:t>Allows decoupling each layer using interfaces contracts only to communicate between them.</a:t>
-            </a:r>
           </a:p>
         </p:txBody>
       </p:sp>
@@ -7664,7 +7518,7 @@
             <a:pPr algn="ctr"/>
             <a:r>
               <a:rPr lang="en-US" dirty="0" smtClean="0"/>
-              <a:t>System Decomposition</a:t>
+              <a:t>System Deployment</a:t>
             </a:r>
             <a:endParaRPr lang="en-US" dirty="0"/>
           </a:p>
@@ -7685,200 +7539,7 @@
 </p:sld>
 </file>
 
-<file path=ppt/slides/slide14.xml><?xml version="1.0" encoding="utf-8"?>
-<p:sld xmlns:a="http://schemas.openxmlformats.org/drawingml/2006/main" xmlns:r="http://schemas.openxmlformats.org/officeDocument/2006/relationships" xmlns:p="http://schemas.openxmlformats.org/presentationml/2006/main">
-  <p:cSld>
-    <p:spTree>
-      <p:nvGrpSpPr>
-        <p:cNvPr id="1" name=""/>
-        <p:cNvGrpSpPr/>
-        <p:nvPr/>
-      </p:nvGrpSpPr>
-      <p:grpSpPr>
-        <a:xfrm>
-          <a:off x="0" y="0"/>
-          <a:ext cx="0" cy="0"/>
-          <a:chOff x="0" y="0"/>
-          <a:chExt cx="0" cy="0"/>
-        </a:xfrm>
-      </p:grpSpPr>
-      <p:sp>
-        <p:nvSpPr>
-          <p:cNvPr id="2" name="Content Placeholder 1"/>
-          <p:cNvSpPr>
-            <a:spLocks noGrp="1"/>
-          </p:cNvSpPr>
-          <p:nvPr>
-            <p:ph idx="1"/>
-          </p:nvPr>
-        </p:nvSpPr>
-        <p:spPr/>
-        <p:txBody>
-          <a:bodyPr>
-            <a:normAutofit/>
-          </a:bodyPr>
-          <a:lstStyle/>
-          <a:p>
-            <a:pPr algn="just">
-              <a:defRPr/>
-            </a:pPr>
-            <a:r>
-              <a:rPr lang="en-US" sz="2800" dirty="0" smtClean="0">
-                <a:solidFill>
-                  <a:srgbClr val="000000"/>
-                </a:solidFill>
-              </a:rPr>
-              <a:t>H/W requirement</a:t>
-            </a:r>
-          </a:p>
-          <a:p>
-            <a:pPr lvl="1" algn="just">
-              <a:defRPr/>
-            </a:pPr>
-            <a:r>
-              <a:rPr lang="en-US" sz="2400" dirty="0" smtClean="0">
-                <a:solidFill>
-                  <a:srgbClr val="000000"/>
-                </a:solidFill>
-              </a:rPr>
-              <a:t>Computer/Smartphone with internet connection</a:t>
-            </a:r>
-          </a:p>
-          <a:p>
-            <a:pPr algn="just">
-              <a:defRPr/>
-            </a:pPr>
-            <a:r>
-              <a:rPr lang="en-US" sz="2800" dirty="0" smtClean="0">
-                <a:solidFill>
-                  <a:srgbClr val="000000"/>
-                </a:solidFill>
-              </a:rPr>
-              <a:t>S/Q </a:t>
-            </a:r>
-            <a:r>
-              <a:rPr lang="en-US" sz="2800" dirty="0" err="1" smtClean="0">
-                <a:solidFill>
-                  <a:srgbClr val="000000"/>
-                </a:solidFill>
-              </a:rPr>
-              <a:t>requirment</a:t>
-            </a:r>
-            <a:endParaRPr lang="en-US" sz="2800" dirty="0" smtClean="0">
-              <a:solidFill>
-                <a:srgbClr val="000000"/>
-              </a:solidFill>
-            </a:endParaRPr>
-          </a:p>
-          <a:p>
-            <a:pPr lvl="1" algn="just">
-              <a:defRPr/>
-            </a:pPr>
-            <a:r>
-              <a:rPr lang="en-US" sz="2400" dirty="0" smtClean="0">
-                <a:solidFill>
-                  <a:srgbClr val="000000"/>
-                </a:solidFill>
-              </a:rPr>
-              <a:t>Windows 7 or higher, with or without Virtual Machine</a:t>
-            </a:r>
-          </a:p>
-          <a:p>
-            <a:pPr lvl="1" algn="just">
-              <a:defRPr/>
-            </a:pPr>
-            <a:r>
-              <a:rPr lang="en-US" sz="2400" dirty="0" smtClean="0">
-                <a:solidFill>
-                  <a:srgbClr val="000000"/>
-                </a:solidFill>
-              </a:rPr>
-              <a:t>Tomcat version 8</a:t>
-            </a:r>
-          </a:p>
-          <a:p>
-            <a:pPr lvl="1" algn="just">
-              <a:defRPr/>
-            </a:pPr>
-            <a:r>
-              <a:rPr lang="en-US" sz="2400" dirty="0" smtClean="0">
-                <a:solidFill>
-                  <a:srgbClr val="000000"/>
-                </a:solidFill>
-              </a:rPr>
-              <a:t>Sprint 4.0 Framework</a:t>
-            </a:r>
-          </a:p>
-          <a:p>
-            <a:pPr lvl="1" algn="just">
-              <a:defRPr/>
-            </a:pPr>
-            <a:r>
-              <a:rPr lang="en-US" sz="2400" dirty="0" err="1" smtClean="0">
-                <a:solidFill>
-                  <a:srgbClr val="000000"/>
-                </a:solidFill>
-              </a:rPr>
-              <a:t>MySQL</a:t>
-            </a:r>
-            <a:endParaRPr lang="en-US" sz="2400" dirty="0" smtClean="0">
-              <a:solidFill>
-                <a:srgbClr val="000000"/>
-              </a:solidFill>
-            </a:endParaRPr>
-          </a:p>
-          <a:p>
-            <a:pPr lvl="1" algn="just">
-              <a:defRPr/>
-            </a:pPr>
-            <a:endParaRPr lang="en-US" sz="2400" dirty="0" smtClean="0">
-              <a:solidFill>
-                <a:srgbClr val="000000"/>
-              </a:solidFill>
-            </a:endParaRPr>
-          </a:p>
-        </p:txBody>
-      </p:sp>
-      <p:sp>
-        <p:nvSpPr>
-          <p:cNvPr id="3" name="Title 2"/>
-          <p:cNvSpPr>
-            <a:spLocks noGrp="1"/>
-          </p:cNvSpPr>
-          <p:nvPr>
-            <p:ph type="title"/>
-          </p:nvPr>
-        </p:nvSpPr>
-        <p:spPr/>
-        <p:txBody>
-          <a:bodyPr/>
-          <a:lstStyle/>
-          <a:p>
-            <a:pPr algn="ctr"/>
-            <a:r>
-              <a:rPr lang="en-US" dirty="0" smtClean="0"/>
-              <a:t>System Deployment</a:t>
-            </a:r>
-            <a:endParaRPr lang="en-US" dirty="0"/>
-          </a:p>
-        </p:txBody>
-      </p:sp>
-    </p:spTree>
-  </p:cSld>
-  <p:clrMapOvr>
-    <a:masterClrMapping/>
-  </p:clrMapOvr>
-  <p:timing>
-    <p:tnLst>
-      <p:par>
-        <p:cTn id="1" dur="indefinite" restart="never" nodeType="tmRoot"/>
-      </p:par>
-    </p:tnLst>
-  </p:timing>
-</p:sld>
-</file>
-
-<file path=ppt/slides/slide15.xml><?xml version="1.0" encoding="utf-8"?>
+<file path=ppt/slides/slide13.xml><?xml version="1.0" encoding="utf-8"?>
 <p:sld xmlns:a="http://schemas.openxmlformats.org/drawingml/2006/main" xmlns:r="http://schemas.openxmlformats.org/officeDocument/2006/relationships" xmlns:p="http://schemas.openxmlformats.org/presentationml/2006/main">
   <p:cSld>
     <p:spTree>
@@ -7975,7 +7636,7 @@
 </p:sld>
 </file>
 
-<file path=ppt/slides/slide16.xml><?xml version="1.0" encoding="utf-8"?>
+<file path=ppt/slides/slide14.xml><?xml version="1.0" encoding="utf-8"?>
 <p:sld xmlns:a="http://schemas.openxmlformats.org/drawingml/2006/main" xmlns:r="http://schemas.openxmlformats.org/officeDocument/2006/relationships" xmlns:p="http://schemas.openxmlformats.org/presentationml/2006/main">
   <p:cSld>
     <p:spTree>
@@ -8406,7 +8067,7 @@
 </p:sld>
 </file>
 
-<file path=ppt/slides/slide17.xml><?xml version="1.0" encoding="utf-8"?>
+<file path=ppt/slides/slide15.xml><?xml version="1.0" encoding="utf-8"?>
 <p:sld xmlns:a="http://schemas.openxmlformats.org/drawingml/2006/main" xmlns:r="http://schemas.openxmlformats.org/officeDocument/2006/relationships" xmlns:p="http://schemas.openxmlformats.org/presentationml/2006/main">
   <p:cSld>
     <p:spTree>
@@ -8503,7 +8164,7 @@
 </p:sld>
 </file>
 
-<file path=ppt/slides/slide18.xml><?xml version="1.0" encoding="utf-8"?>
+<file path=ppt/slides/slide16.xml><?xml version="1.0" encoding="utf-8"?>
 <p:sld xmlns:a="http://schemas.openxmlformats.org/drawingml/2006/main" xmlns:r="http://schemas.openxmlformats.org/officeDocument/2006/relationships" xmlns:p="http://schemas.openxmlformats.org/presentationml/2006/main">
   <p:cSld>
     <p:spTree>
@@ -8602,7 +8263,7 @@
 </p:sld>
 </file>
 
-<file path=ppt/slides/slide19.xml><?xml version="1.0" encoding="utf-8"?>
+<file path=ppt/slides/slide17.xml><?xml version="1.0" encoding="utf-8"?>
 <p:sld xmlns:a="http://schemas.openxmlformats.org/drawingml/2006/main" xmlns:r="http://schemas.openxmlformats.org/officeDocument/2006/relationships" xmlns:p="http://schemas.openxmlformats.org/presentationml/2006/main">
   <p:cSld>
     <p:spTree>
@@ -8701,123 +8362,7 @@
 </p:sld>
 </file>
 
-<file path=ppt/slides/slide2.xml><?xml version="1.0" encoding="utf-8"?>
-<p:sld xmlns:a="http://schemas.openxmlformats.org/drawingml/2006/main" xmlns:r="http://schemas.openxmlformats.org/officeDocument/2006/relationships" xmlns:p="http://schemas.openxmlformats.org/presentationml/2006/main">
-  <p:cSld>
-    <p:spTree>
-      <p:nvGrpSpPr>
-        <p:cNvPr id="1" name="Shape 99"/>
-        <p:cNvGrpSpPr/>
-        <p:nvPr/>
-      </p:nvGrpSpPr>
-      <p:grpSpPr>
-        <a:xfrm>
-          <a:off x="0" y="0"/>
-          <a:ext cx="0" cy="0"/>
-          <a:chOff x="0" y="0"/>
-          <a:chExt cx="0" cy="0"/>
-        </a:xfrm>
-      </p:grpSpPr>
-      <p:pic>
-        <p:nvPicPr>
-          <p:cNvPr id="101" name="Shape 101"/>
-          <p:cNvPicPr preferRelativeResize="0">
-            <a:picLocks noGrp="1"/>
-          </p:cNvPicPr>
-          <p:nvPr>
-            <p:ph idx="1"/>
-          </p:nvPr>
-        </p:nvPicPr>
-        <p:blipFill rotWithShape="1">
-          <a:blip r:embed="rId3">
-            <a:alphaModFix/>
-          </a:blip>
-          <a:stretch/>
-        </p:blipFill>
-        <p:spPr>
-          <a:xfrm>
-            <a:off x="457200" y="1733355"/>
-            <a:ext cx="8229600" cy="4021528"/>
-          </a:xfrm>
-          <a:prstGeom prst="rect">
-            <a:avLst/>
-          </a:prstGeom>
-          <a:noFill/>
-          <a:ln>
-            <a:noFill/>
-          </a:ln>
-        </p:spPr>
-      </p:pic>
-      <p:sp>
-        <p:nvSpPr>
-          <p:cNvPr id="100" name="Shape 100"/>
-          <p:cNvSpPr txBox="1">
-            <a:spLocks noGrp="1"/>
-          </p:cNvSpPr>
-          <p:nvPr>
-            <p:ph type="title"/>
-          </p:nvPr>
-        </p:nvSpPr>
-        <p:spPr>
-          <a:prstGeom prst="rect">
-            <a:avLst/>
-          </a:prstGeom>
-          <a:noFill/>
-          <a:ln>
-            <a:noFill/>
-          </a:ln>
-        </p:spPr>
-        <p:txBody>
-          <a:bodyPr lIns="0" tIns="45700" rIns="0" bIns="0" anchor="b" anchorCtr="0">
-            <a:noAutofit/>
-          </a:bodyPr>
-          <a:lstStyle/>
-          <a:p>
-            <a:pPr marL="0" marR="0" lvl="0" indent="0" algn="ctr" rtl="0">
-              <a:spcBef>
-                <a:spcPts val="0"/>
-              </a:spcBef>
-              <a:buClr>
-                <a:schemeClr val="dk2"/>
-              </a:buClr>
-              <a:buSzPct val="25000"/>
-              <a:buFont typeface="Calibri"/>
-              <a:buNone/>
-            </a:pPr>
-            <a:r>
-              <a:rPr lang="en-US" sz="5000" b="0" i="0" u="none" strike="noStrike" cap="none" baseline="0">
-                <a:solidFill>
-                  <a:schemeClr val="dk2"/>
-                </a:solidFill>
-                <a:latin typeface="Calibri"/>
-                <a:ea typeface="Calibri"/>
-                <a:cs typeface="Calibri"/>
-                <a:sym typeface="Calibri"/>
-              </a:rPr>
-              <a:t>Virtual Queue</a:t>
-            </a:r>
-          </a:p>
-        </p:txBody>
-      </p:sp>
-    </p:spTree>
-  </p:cSld>
-  <p:clrMapOvr>
-    <a:masterClrMapping/>
-  </p:clrMapOvr>
-  <p:transition spd="slow">
-    <p:cut/>
-  </p:transition>
-  <p:timing>
-    <p:tnLst>
-      <p:par>
-        <p:cTn id="1" dur="indefinite" restart="never" nodeType="tmRoot"/>
-      </p:par>
-    </p:tnLst>
-  </p:timing>
-</p:sld>
-</file>
-
-<file path=ppt/slides/slide20.xml><?xml version="1.0" encoding="utf-8"?>
+<file path=ppt/slides/slide18.xml><?xml version="1.0" encoding="utf-8"?>
 <p:sld xmlns:a="http://schemas.openxmlformats.org/drawingml/2006/main" xmlns:r="http://schemas.openxmlformats.org/officeDocument/2006/relationships" xmlns:p="http://schemas.openxmlformats.org/presentationml/2006/main">
   <p:cSld>
     <p:spTree>
@@ -8846,7 +8391,7 @@
         </p:nvGraphicFramePr>
         <p:xfrm>
           <a:off x="1524000" y="1585182"/>
-          <a:ext cx="6096000" cy="4264917"/>
+          <a:ext cx="6096000" cy="4317873"/>
         </p:xfrm>
         <a:graphic>
           <a:graphicData uri="http://schemas.openxmlformats.org/drawingml/2006/table">
@@ -9416,7 +8961,7 @@
 </p:sld>
 </file>
 
-<file path=ppt/slides/slide21.xml><?xml version="1.0" encoding="utf-8"?>
+<file path=ppt/slides/slide19.xml><?xml version="1.0" encoding="utf-8"?>
 <p:sld xmlns:a="http://schemas.openxmlformats.org/drawingml/2006/main" xmlns:r="http://schemas.openxmlformats.org/officeDocument/2006/relationships" xmlns:p="http://schemas.openxmlformats.org/presentationml/2006/main">
   <p:cSld>
     <p:spTree>
@@ -10736,7 +10281,123 @@
 </p:sld>
 </file>
 
-<file path=ppt/slides/slide22.xml><?xml version="1.0" encoding="utf-8"?>
+<file path=ppt/slides/slide2.xml><?xml version="1.0" encoding="utf-8"?>
+<p:sld xmlns:a="http://schemas.openxmlformats.org/drawingml/2006/main" xmlns:r="http://schemas.openxmlformats.org/officeDocument/2006/relationships" xmlns:p="http://schemas.openxmlformats.org/presentationml/2006/main">
+  <p:cSld>
+    <p:spTree>
+      <p:nvGrpSpPr>
+        <p:cNvPr id="1" name="Shape 99"/>
+        <p:cNvGrpSpPr/>
+        <p:nvPr/>
+      </p:nvGrpSpPr>
+      <p:grpSpPr>
+        <a:xfrm>
+          <a:off x="0" y="0"/>
+          <a:ext cx="0" cy="0"/>
+          <a:chOff x="0" y="0"/>
+          <a:chExt cx="0" cy="0"/>
+        </a:xfrm>
+      </p:grpSpPr>
+      <p:pic>
+        <p:nvPicPr>
+          <p:cNvPr id="101" name="Shape 101"/>
+          <p:cNvPicPr preferRelativeResize="0">
+            <a:picLocks noGrp="1"/>
+          </p:cNvPicPr>
+          <p:nvPr>
+            <p:ph idx="1"/>
+          </p:nvPr>
+        </p:nvPicPr>
+        <p:blipFill rotWithShape="1">
+          <a:blip r:embed="rId3">
+            <a:alphaModFix/>
+          </a:blip>
+          <a:stretch/>
+        </p:blipFill>
+        <p:spPr>
+          <a:xfrm>
+            <a:off x="457200" y="1733355"/>
+            <a:ext cx="8229600" cy="4021528"/>
+          </a:xfrm>
+          <a:prstGeom prst="rect">
+            <a:avLst/>
+          </a:prstGeom>
+          <a:noFill/>
+          <a:ln>
+            <a:noFill/>
+          </a:ln>
+        </p:spPr>
+      </p:pic>
+      <p:sp>
+        <p:nvSpPr>
+          <p:cNvPr id="100" name="Shape 100"/>
+          <p:cNvSpPr txBox="1">
+            <a:spLocks noGrp="1"/>
+          </p:cNvSpPr>
+          <p:nvPr>
+            <p:ph type="title"/>
+          </p:nvPr>
+        </p:nvSpPr>
+        <p:spPr>
+          <a:prstGeom prst="rect">
+            <a:avLst/>
+          </a:prstGeom>
+          <a:noFill/>
+          <a:ln>
+            <a:noFill/>
+          </a:ln>
+        </p:spPr>
+        <p:txBody>
+          <a:bodyPr lIns="0" tIns="45700" rIns="0" bIns="0" anchor="b" anchorCtr="0">
+            <a:noAutofit/>
+          </a:bodyPr>
+          <a:lstStyle/>
+          <a:p>
+            <a:pPr marL="0" marR="0" lvl="0" indent="0" algn="ctr" rtl="0">
+              <a:spcBef>
+                <a:spcPts val="0"/>
+              </a:spcBef>
+              <a:buClr>
+                <a:schemeClr val="dk2"/>
+              </a:buClr>
+              <a:buSzPct val="25000"/>
+              <a:buFont typeface="Calibri"/>
+              <a:buNone/>
+            </a:pPr>
+            <a:r>
+              <a:rPr lang="en-US" sz="5000" b="0" i="0" u="none" strike="noStrike" cap="none" baseline="0">
+                <a:solidFill>
+                  <a:schemeClr val="dk2"/>
+                </a:solidFill>
+                <a:latin typeface="Calibri"/>
+                <a:ea typeface="Calibri"/>
+                <a:cs typeface="Calibri"/>
+                <a:sym typeface="Calibri"/>
+              </a:rPr>
+              <a:t>Virtual Queue</a:t>
+            </a:r>
+          </a:p>
+        </p:txBody>
+      </p:sp>
+    </p:spTree>
+  </p:cSld>
+  <p:clrMapOvr>
+    <a:masterClrMapping/>
+  </p:clrMapOvr>
+  <p:transition spd="slow">
+    <p:cut/>
+  </p:transition>
+  <p:timing>
+    <p:tnLst>
+      <p:par>
+        <p:cTn id="1" dur="indefinite" restart="never" nodeType="tmRoot"/>
+      </p:par>
+    </p:tnLst>
+  </p:timing>
+</p:sld>
+</file>
+
+<file path=ppt/slides/slide20.xml><?xml version="1.0" encoding="utf-8"?>
 <p:sld xmlns:a="http://schemas.openxmlformats.org/drawingml/2006/main" xmlns:r="http://schemas.openxmlformats.org/officeDocument/2006/relationships" xmlns:p="http://schemas.openxmlformats.org/presentationml/2006/main">
   <p:cSld>
     <p:spTree>
@@ -10807,3041 +10468,6 @@
           <a:xfrm>
             <a:off x="1495760" y="1481138"/>
             <a:ext cx="6152480" cy="4525962"/>
-          </a:xfrm>
-          <a:prstGeom prst="rect">
-            <a:avLst/>
-          </a:prstGeom>
-          <a:noFill/>
-          <a:ln w="9525">
-            <a:noFill/>
-            <a:miter lim="800000"/>
-            <a:headEnd/>
-            <a:tailEnd/>
-          </a:ln>
-        </p:spPr>
-      </p:pic>
-    </p:spTree>
-  </p:cSld>
-  <p:clrMapOvr>
-    <a:masterClrMapping/>
-  </p:clrMapOvr>
-  <p:timing>
-    <p:tnLst>
-      <p:par>
-        <p:cTn id="1" dur="indefinite" restart="never" nodeType="tmRoot"/>
-      </p:par>
-    </p:tnLst>
-  </p:timing>
-</p:sld>
-</file>
-
-<file path=ppt/slides/slide23.xml><?xml version="1.0" encoding="utf-8"?>
-<p:sld xmlns:a="http://schemas.openxmlformats.org/drawingml/2006/main" xmlns:r="http://schemas.openxmlformats.org/officeDocument/2006/relationships" xmlns:p="http://schemas.openxmlformats.org/presentationml/2006/main">
-  <p:cSld>
-    <p:spTree>
-      <p:nvGrpSpPr>
-        <p:cNvPr id="1" name=""/>
-        <p:cNvGrpSpPr/>
-        <p:nvPr/>
-      </p:nvGrpSpPr>
-      <p:grpSpPr>
-        <a:xfrm>
-          <a:off x="0" y="0"/>
-          <a:ext cx="0" cy="0"/>
-          <a:chOff x="0" y="0"/>
-          <a:chExt cx="0" cy="0"/>
-        </a:xfrm>
-      </p:grpSpPr>
-      <p:sp>
-        <p:nvSpPr>
-          <p:cNvPr id="3" name="Title 2"/>
-          <p:cNvSpPr>
-            <a:spLocks noGrp="1"/>
-          </p:cNvSpPr>
-          <p:nvPr>
-            <p:ph type="title"/>
-          </p:nvPr>
-        </p:nvSpPr>
-        <p:spPr>
-          <a:xfrm>
-            <a:off x="152400" y="274638"/>
-            <a:ext cx="8763000" cy="1143000"/>
-          </a:xfrm>
-        </p:spPr>
-        <p:txBody>
-          <a:bodyPr>
-            <a:normAutofit fontScale="90000"/>
-          </a:bodyPr>
-          <a:lstStyle/>
-          <a:p>
-            <a:pPr algn="ctr"/>
-            <a:r>
-              <a:rPr lang="en-US" dirty="0" smtClean="0"/>
-              <a:t>Class Diagram</a:t>
-            </a:r>
-            <a:br>
-              <a:rPr lang="en-US" dirty="0" smtClean="0"/>
-            </a:br>
-            <a:r>
-              <a:rPr lang="en-US" dirty="0" smtClean="0"/>
-              <a:t>Simulate </a:t>
-            </a:r>
-            <a:r>
-              <a:rPr lang="en-US" dirty="0" err="1" smtClean="0"/>
-              <a:t>Dequeue</a:t>
-            </a:r>
-            <a:r>
-              <a:rPr lang="en-US" dirty="0" smtClean="0"/>
-              <a:t> Visitors for Rides</a:t>
-            </a:r>
-            <a:endParaRPr lang="en-US" dirty="0"/>
-          </a:p>
-        </p:txBody>
-      </p:sp>
-      <p:pic>
-        <p:nvPicPr>
-          <p:cNvPr id="2050" name="Picture 2"/>
-          <p:cNvPicPr>
-            <a:picLocks noChangeAspect="1" noChangeArrowheads="1"/>
-          </p:cNvPicPr>
-          <p:nvPr/>
-        </p:nvPicPr>
-        <p:blipFill>
-          <a:blip r:embed="rId2"/>
-          <a:srcRect/>
-          <a:stretch>
-            <a:fillRect/>
-          </a:stretch>
-        </p:blipFill>
-        <p:spPr bwMode="auto">
-          <a:xfrm>
-            <a:off x="685800" y="1524000"/>
-            <a:ext cx="7848600" cy="5103623"/>
-          </a:xfrm>
-          <a:prstGeom prst="rect">
-            <a:avLst/>
-          </a:prstGeom>
-          <a:noFill/>
-          <a:ln w="9525">
-            <a:noFill/>
-            <a:miter lim="800000"/>
-            <a:headEnd/>
-            <a:tailEnd/>
-          </a:ln>
-        </p:spPr>
-      </p:pic>
-    </p:spTree>
-  </p:cSld>
-  <p:clrMapOvr>
-    <a:masterClrMapping/>
-  </p:clrMapOvr>
-  <p:timing>
-    <p:tnLst>
-      <p:par>
-        <p:cTn id="1" dur="indefinite" restart="never" nodeType="tmRoot"/>
-      </p:par>
-    </p:tnLst>
-  </p:timing>
-</p:sld>
-</file>
-
-<file path=ppt/slides/slide24.xml><?xml version="1.0" encoding="utf-8"?>
-<p:sld xmlns:a="http://schemas.openxmlformats.org/drawingml/2006/main" xmlns:r="http://schemas.openxmlformats.org/officeDocument/2006/relationships" xmlns:p="http://schemas.openxmlformats.org/presentationml/2006/main">
-  <p:cSld>
-    <p:spTree>
-      <p:nvGrpSpPr>
-        <p:cNvPr id="1" name=""/>
-        <p:cNvGrpSpPr/>
-        <p:nvPr/>
-      </p:nvGrpSpPr>
-      <p:grpSpPr>
-        <a:xfrm>
-          <a:off x="0" y="0"/>
-          <a:ext cx="0" cy="0"/>
-          <a:chOff x="0" y="0"/>
-          <a:chExt cx="0" cy="0"/>
-        </a:xfrm>
-      </p:grpSpPr>
-      <p:sp>
-        <p:nvSpPr>
-          <p:cNvPr id="3" name="Title 2"/>
-          <p:cNvSpPr>
-            <a:spLocks noGrp="1"/>
-          </p:cNvSpPr>
-          <p:nvPr>
-            <p:ph type="title"/>
-          </p:nvPr>
-        </p:nvSpPr>
-        <p:spPr>
-          <a:xfrm>
-            <a:off x="304800" y="274638"/>
-            <a:ext cx="8610600" cy="1143000"/>
-          </a:xfrm>
-        </p:spPr>
-        <p:txBody>
-          <a:bodyPr>
-            <a:normAutofit fontScale="90000"/>
-          </a:bodyPr>
-          <a:lstStyle/>
-          <a:p>
-            <a:pPr algn="ctr"/>
-            <a:r>
-              <a:rPr lang="en-US" dirty="0" smtClean="0"/>
-              <a:t>State Machine</a:t>
-            </a:r>
-            <a:br>
-              <a:rPr lang="en-US" dirty="0" smtClean="0"/>
-            </a:br>
-            <a:r>
-              <a:rPr lang="en-US" dirty="0" smtClean="0"/>
-              <a:t>Simulate </a:t>
-            </a:r>
-            <a:r>
-              <a:rPr lang="en-US" dirty="0" err="1" smtClean="0"/>
-              <a:t>Dequeue</a:t>
-            </a:r>
-            <a:r>
-              <a:rPr lang="en-US" dirty="0" smtClean="0"/>
-              <a:t> Visitors for Rides</a:t>
-            </a:r>
-            <a:endParaRPr lang="en-US" dirty="0"/>
-          </a:p>
-        </p:txBody>
-      </p:sp>
-      <p:pic>
-        <p:nvPicPr>
-          <p:cNvPr id="3074" name="Picture 2"/>
-          <p:cNvPicPr>
-            <a:picLocks noGrp="1" noChangeAspect="1" noChangeArrowheads="1"/>
-          </p:cNvPicPr>
-          <p:nvPr>
-            <p:ph idx="1"/>
-          </p:nvPr>
-        </p:nvPicPr>
-        <p:blipFill>
-          <a:blip r:embed="rId2"/>
-          <a:srcRect/>
-          <a:stretch>
-            <a:fillRect/>
-          </a:stretch>
-        </p:blipFill>
-        <p:spPr bwMode="auto">
-          <a:xfrm>
-            <a:off x="457200" y="2576291"/>
-            <a:ext cx="8229600" cy="2335655"/>
-          </a:xfrm>
-          <a:prstGeom prst="rect">
-            <a:avLst/>
-          </a:prstGeom>
-          <a:noFill/>
-          <a:ln w="9525">
-            <a:noFill/>
-            <a:miter lim="800000"/>
-            <a:headEnd/>
-            <a:tailEnd/>
-          </a:ln>
-        </p:spPr>
-      </p:pic>
-    </p:spTree>
-  </p:cSld>
-  <p:clrMapOvr>
-    <a:masterClrMapping/>
-  </p:clrMapOvr>
-  <p:timing>
-    <p:tnLst>
-      <p:par>
-        <p:cTn id="1" dur="indefinite" restart="never" nodeType="tmRoot"/>
-      </p:par>
-    </p:tnLst>
-  </p:timing>
-</p:sld>
-</file>
-
-<file path=ppt/slides/slide25.xml><?xml version="1.0" encoding="utf-8"?>
-<p:sld xmlns:a="http://schemas.openxmlformats.org/drawingml/2006/main" xmlns:r="http://schemas.openxmlformats.org/officeDocument/2006/relationships" xmlns:p="http://schemas.openxmlformats.org/presentationml/2006/main">
-  <p:cSld>
-    <p:spTree>
-      <p:nvGrpSpPr>
-        <p:cNvPr id="1" name=""/>
-        <p:cNvGrpSpPr/>
-        <p:nvPr/>
-      </p:nvGrpSpPr>
-      <p:grpSpPr>
-        <a:xfrm>
-          <a:off x="0" y="0"/>
-          <a:ext cx="0" cy="0"/>
-          <a:chOff x="0" y="0"/>
-          <a:chExt cx="0" cy="0"/>
-        </a:xfrm>
-      </p:grpSpPr>
-      <p:sp>
-        <p:nvSpPr>
-          <p:cNvPr id="3" name="Title 2"/>
-          <p:cNvSpPr>
-            <a:spLocks noGrp="1"/>
-          </p:cNvSpPr>
-          <p:nvPr>
-            <p:ph type="title"/>
-          </p:nvPr>
-        </p:nvSpPr>
-        <p:spPr>
-          <a:xfrm>
-            <a:off x="304800" y="274638"/>
-            <a:ext cx="8534400" cy="1143000"/>
-          </a:xfrm>
-        </p:spPr>
-        <p:txBody>
-          <a:bodyPr>
-            <a:normAutofit fontScale="90000"/>
-          </a:bodyPr>
-          <a:lstStyle/>
-          <a:p>
-            <a:pPr algn="ctr"/>
-            <a:r>
-              <a:rPr lang="en-US" dirty="0" smtClean="0"/>
-              <a:t>Algorithm</a:t>
-            </a:r>
-            <a:br>
-              <a:rPr lang="en-US" dirty="0" smtClean="0"/>
-            </a:br>
-            <a:r>
-              <a:rPr lang="en-US" dirty="0" smtClean="0"/>
-              <a:t> Simulate </a:t>
-            </a:r>
-            <a:r>
-              <a:rPr lang="en-US" dirty="0" err="1" smtClean="0"/>
-              <a:t>Dequeue</a:t>
-            </a:r>
-            <a:r>
-              <a:rPr lang="en-US" dirty="0" smtClean="0"/>
-              <a:t> Visitors for Rides</a:t>
-            </a:r>
-            <a:endParaRPr lang="en-US" dirty="0"/>
-          </a:p>
-        </p:txBody>
-      </p:sp>
-      <p:sp>
-        <p:nvSpPr>
-          <p:cNvPr id="5" name="Content Placeholder 4"/>
-          <p:cNvSpPr>
-            <a:spLocks noGrp="1"/>
-          </p:cNvSpPr>
-          <p:nvPr>
-            <p:ph idx="1"/>
-          </p:nvPr>
-        </p:nvSpPr>
-        <p:spPr/>
-        <p:txBody>
-          <a:bodyPr/>
-          <a:lstStyle/>
-          <a:p>
-            <a:endParaRPr lang="en-US" dirty="0"/>
-          </a:p>
-        </p:txBody>
-      </p:sp>
-      <p:pic>
-        <p:nvPicPr>
-          <p:cNvPr id="5123" name="Picture 3"/>
-          <p:cNvPicPr>
-            <a:picLocks noChangeAspect="1" noChangeArrowheads="1"/>
-          </p:cNvPicPr>
-          <p:nvPr/>
-        </p:nvPicPr>
-        <p:blipFill>
-          <a:blip r:embed="rId2"/>
-          <a:srcRect/>
-          <a:stretch>
-            <a:fillRect/>
-          </a:stretch>
-        </p:blipFill>
-        <p:spPr bwMode="auto">
-          <a:xfrm>
-            <a:off x="3657600" y="1947863"/>
-            <a:ext cx="1828800" cy="2962275"/>
-          </a:xfrm>
-          <a:prstGeom prst="rect">
-            <a:avLst/>
-          </a:prstGeom>
-          <a:noFill/>
-          <a:ln w="9525">
-            <a:noFill/>
-            <a:miter lim="800000"/>
-            <a:headEnd/>
-            <a:tailEnd/>
-          </a:ln>
-        </p:spPr>
-      </p:pic>
-      <p:pic>
-        <p:nvPicPr>
-          <p:cNvPr id="5124" name="Picture 4"/>
-          <p:cNvPicPr>
-            <a:picLocks noChangeAspect="1" noChangeArrowheads="1"/>
-          </p:cNvPicPr>
-          <p:nvPr/>
-        </p:nvPicPr>
-        <p:blipFill>
-          <a:blip r:embed="rId3"/>
-          <a:srcRect/>
-          <a:stretch>
-            <a:fillRect/>
-          </a:stretch>
-        </p:blipFill>
-        <p:spPr bwMode="auto">
-          <a:xfrm>
-            <a:off x="3286125" y="1919288"/>
-            <a:ext cx="2571750" cy="3019425"/>
-          </a:xfrm>
-          <a:prstGeom prst="rect">
-            <a:avLst/>
-          </a:prstGeom>
-          <a:noFill/>
-          <a:ln w="9525">
-            <a:noFill/>
-            <a:miter lim="800000"/>
-            <a:headEnd/>
-            <a:tailEnd/>
-          </a:ln>
-        </p:spPr>
-      </p:pic>
-    </p:spTree>
-  </p:cSld>
-  <p:clrMapOvr>
-    <a:masterClrMapping/>
-  </p:clrMapOvr>
-  <p:timing>
-    <p:tnLst>
-      <p:par>
-        <p:cTn id="1" dur="indefinite" restart="never" nodeType="tmRoot"/>
-      </p:par>
-    </p:tnLst>
-  </p:timing>
-</p:sld>
-</file>
-
-<file path=ppt/slides/slide26.xml><?xml version="1.0" encoding="utf-8"?>
-<p:sld xmlns:a="http://schemas.openxmlformats.org/drawingml/2006/main" xmlns:r="http://schemas.openxmlformats.org/officeDocument/2006/relationships" xmlns:p="http://schemas.openxmlformats.org/presentationml/2006/main">
-  <p:cSld>
-    <p:spTree>
-      <p:nvGrpSpPr>
-        <p:cNvPr id="1" name=""/>
-        <p:cNvGrpSpPr/>
-        <p:nvPr/>
-      </p:nvGrpSpPr>
-      <p:grpSpPr>
-        <a:xfrm>
-          <a:off x="0" y="0"/>
-          <a:ext cx="0" cy="0"/>
-          <a:chOff x="0" y="0"/>
-          <a:chExt cx="0" cy="0"/>
-        </a:xfrm>
-      </p:grpSpPr>
-      <p:graphicFrame>
-        <p:nvGraphicFramePr>
-          <p:cNvPr id="5" name="Content Placeholder 4"/>
-          <p:cNvGraphicFramePr>
-            <a:graphicFrameLocks noGrp="1"/>
-          </p:cNvGraphicFramePr>
-          <p:nvPr>
-            <p:ph idx="1"/>
-          </p:nvPr>
-        </p:nvGraphicFramePr>
-        <p:xfrm>
-          <a:off x="1524000" y="1898109"/>
-          <a:ext cx="6096000" cy="3692019"/>
-        </p:xfrm>
-        <a:graphic>
-          <a:graphicData uri="http://schemas.openxmlformats.org/drawingml/2006/table">
-            <a:tbl>
-              <a:tblPr/>
-              <a:tblGrid>
-                <a:gridCol w="3048000"/>
-                <a:gridCol w="3048000"/>
-              </a:tblGrid>
-              <a:tr h="0">
-                <a:tc>
-                  <a:txBody>
-                    <a:bodyPr/>
-                    <a:lstStyle/>
-                    <a:p>
-                      <a:pPr marL="0" marR="0">
-                        <a:lnSpc>
-                          <a:spcPct val="107000"/>
-                        </a:lnSpc>
-                        <a:spcBef>
-                          <a:spcPts val="0"/>
-                        </a:spcBef>
-                        <a:spcAft>
-                          <a:spcPts val="0"/>
-                        </a:spcAft>
-                      </a:pPr>
-                      <a:r>
-                        <a:rPr lang="en-US" sz="1150">
-                          <a:solidFill>
-                            <a:srgbClr val="000000"/>
-                          </a:solidFill>
-                          <a:latin typeface="Arial"/>
-                          <a:ea typeface="Times New Roman"/>
-                          <a:cs typeface="Times New Roman"/>
-                        </a:rPr>
-                        <a:t>Test ID</a:t>
-                      </a:r>
-                      <a:endParaRPr lang="en-US" sz="1100">
-                        <a:latin typeface="Calibri"/>
-                        <a:ea typeface="Calibri"/>
-                        <a:cs typeface="Times New Roman"/>
-                      </a:endParaRPr>
-                    </a:p>
-                  </a:txBody>
-                  <a:tcPr marL="66675" marR="66675" marT="66675" marB="66675">
-                    <a:lnL w="12700" cap="flat" cmpd="sng" algn="ctr">
-                      <a:solidFill>
-                        <a:srgbClr val="000000"/>
-                      </a:solidFill>
-                      <a:prstDash val="solid"/>
-                      <a:round/>
-                      <a:headEnd type="none" w="med" len="med"/>
-                      <a:tailEnd type="none" w="med" len="med"/>
-                    </a:lnL>
-                    <a:lnR w="12700" cap="flat" cmpd="sng" algn="ctr">
-                      <a:solidFill>
-                        <a:srgbClr val="000000"/>
-                      </a:solidFill>
-                      <a:prstDash val="solid"/>
-                      <a:round/>
-                      <a:headEnd type="none" w="med" len="med"/>
-                      <a:tailEnd type="none" w="med" len="med"/>
-                    </a:lnR>
-                    <a:lnT w="12700" cap="flat" cmpd="sng" algn="ctr">
-                      <a:solidFill>
-                        <a:srgbClr val="000000"/>
-                      </a:solidFill>
-                      <a:prstDash val="solid"/>
-                      <a:round/>
-                      <a:headEnd type="none" w="med" len="med"/>
-                      <a:tailEnd type="none" w="med" len="med"/>
-                    </a:lnT>
-                    <a:lnB w="12700" cap="flat" cmpd="sng" algn="ctr">
-                      <a:solidFill>
-                        <a:srgbClr val="000000"/>
-                      </a:solidFill>
-                      <a:prstDash val="solid"/>
-                      <a:round/>
-                      <a:headEnd type="none" w="med" len="med"/>
-                      <a:tailEnd type="none" w="med" len="med"/>
-                    </a:lnB>
-                  </a:tcPr>
-                </a:tc>
-                <a:tc>
-                  <a:txBody>
-                    <a:bodyPr/>
-                    <a:lstStyle/>
-                    <a:p>
-                      <a:pPr marL="0" marR="0">
-                        <a:lnSpc>
-                          <a:spcPct val="107000"/>
-                        </a:lnSpc>
-                        <a:spcBef>
-                          <a:spcPts val="0"/>
-                        </a:spcBef>
-                        <a:spcAft>
-                          <a:spcPts val="0"/>
-                        </a:spcAft>
-                      </a:pPr>
-                      <a:r>
-                        <a:rPr lang="en-US" sz="1150">
-                          <a:solidFill>
-                            <a:srgbClr val="000000"/>
-                          </a:solidFill>
-                          <a:latin typeface="Arial"/>
-                          <a:ea typeface="Times New Roman"/>
-                          <a:cs typeface="Times New Roman"/>
-                        </a:rPr>
-                        <a:t>VQ_002.06_VisitorDeque</a:t>
-                      </a:r>
-                      <a:endParaRPr lang="en-US" sz="1100">
-                        <a:latin typeface="Calibri"/>
-                        <a:ea typeface="Calibri"/>
-                        <a:cs typeface="Times New Roman"/>
-                      </a:endParaRPr>
-                    </a:p>
-                  </a:txBody>
-                  <a:tcPr marL="66675" marR="66675" marT="66675" marB="66675">
-                    <a:lnL w="12700" cap="flat" cmpd="sng" algn="ctr">
-                      <a:solidFill>
-                        <a:srgbClr val="000000"/>
-                      </a:solidFill>
-                      <a:prstDash val="solid"/>
-                      <a:round/>
-                      <a:headEnd type="none" w="med" len="med"/>
-                      <a:tailEnd type="none" w="med" len="med"/>
-                    </a:lnL>
-                    <a:lnR w="12700" cap="flat" cmpd="sng" algn="ctr">
-                      <a:solidFill>
-                        <a:srgbClr val="000000"/>
-                      </a:solidFill>
-                      <a:prstDash val="solid"/>
-                      <a:round/>
-                      <a:headEnd type="none" w="med" len="med"/>
-                      <a:tailEnd type="none" w="med" len="med"/>
-                    </a:lnR>
-                    <a:lnT w="12700" cap="flat" cmpd="sng" algn="ctr">
-                      <a:solidFill>
-                        <a:srgbClr val="000000"/>
-                      </a:solidFill>
-                      <a:prstDash val="solid"/>
-                      <a:round/>
-                      <a:headEnd type="none" w="med" len="med"/>
-                      <a:tailEnd type="none" w="med" len="med"/>
-                    </a:lnT>
-                    <a:lnB w="12700" cap="flat" cmpd="sng" algn="ctr">
-                      <a:solidFill>
-                        <a:srgbClr val="000000"/>
-                      </a:solidFill>
-                      <a:prstDash val="solid"/>
-                      <a:round/>
-                      <a:headEnd type="none" w="med" len="med"/>
-                      <a:tailEnd type="none" w="med" len="med"/>
-                    </a:lnB>
-                  </a:tcPr>
-                </a:tc>
-              </a:tr>
-              <a:tr h="0">
-                <a:tc>
-                  <a:txBody>
-                    <a:bodyPr/>
-                    <a:lstStyle/>
-                    <a:p>
-                      <a:pPr marL="0" marR="0">
-                        <a:lnSpc>
-                          <a:spcPct val="107000"/>
-                        </a:lnSpc>
-                        <a:spcBef>
-                          <a:spcPts val="0"/>
-                        </a:spcBef>
-                        <a:spcAft>
-                          <a:spcPts val="0"/>
-                        </a:spcAft>
-                      </a:pPr>
-                      <a:r>
-                        <a:rPr lang="en-US" sz="1150">
-                          <a:solidFill>
-                            <a:srgbClr val="000000"/>
-                          </a:solidFill>
-                          <a:latin typeface="Arial"/>
-                          <a:ea typeface="Times New Roman"/>
-                          <a:cs typeface="Times New Roman"/>
-                        </a:rPr>
-                        <a:t>Purpose</a:t>
-                      </a:r>
-                      <a:endParaRPr lang="en-US" sz="1100">
-                        <a:latin typeface="Calibri"/>
-                        <a:ea typeface="Calibri"/>
-                        <a:cs typeface="Times New Roman"/>
-                      </a:endParaRPr>
-                    </a:p>
-                  </a:txBody>
-                  <a:tcPr marL="66675" marR="66675" marT="66675" marB="66675">
-                    <a:lnL w="12700" cap="flat" cmpd="sng" algn="ctr">
-                      <a:solidFill>
-                        <a:srgbClr val="000000"/>
-                      </a:solidFill>
-                      <a:prstDash val="solid"/>
-                      <a:round/>
-                      <a:headEnd type="none" w="med" len="med"/>
-                      <a:tailEnd type="none" w="med" len="med"/>
-                    </a:lnL>
-                    <a:lnR w="12700" cap="flat" cmpd="sng" algn="ctr">
-                      <a:solidFill>
-                        <a:srgbClr val="000000"/>
-                      </a:solidFill>
-                      <a:prstDash val="solid"/>
-                      <a:round/>
-                      <a:headEnd type="none" w="med" len="med"/>
-                      <a:tailEnd type="none" w="med" len="med"/>
-                    </a:lnR>
-                    <a:lnT w="12700" cap="flat" cmpd="sng" algn="ctr">
-                      <a:solidFill>
-                        <a:srgbClr val="000000"/>
-                      </a:solidFill>
-                      <a:prstDash val="solid"/>
-                      <a:round/>
-                      <a:headEnd type="none" w="med" len="med"/>
-                      <a:tailEnd type="none" w="med" len="med"/>
-                    </a:lnT>
-                    <a:lnB w="12700" cap="flat" cmpd="sng" algn="ctr">
-                      <a:solidFill>
-                        <a:srgbClr val="000000"/>
-                      </a:solidFill>
-                      <a:prstDash val="solid"/>
-                      <a:round/>
-                      <a:headEnd type="none" w="med" len="med"/>
-                      <a:tailEnd type="none" w="med" len="med"/>
-                    </a:lnB>
-                  </a:tcPr>
-                </a:tc>
-                <a:tc>
-                  <a:txBody>
-                    <a:bodyPr/>
-                    <a:lstStyle/>
-                    <a:p>
-                      <a:pPr marL="0" marR="0">
-                        <a:lnSpc>
-                          <a:spcPct val="107000"/>
-                        </a:lnSpc>
-                        <a:spcBef>
-                          <a:spcPts val="0"/>
-                        </a:spcBef>
-                        <a:spcAft>
-                          <a:spcPts val="0"/>
-                        </a:spcAft>
-                      </a:pPr>
-                      <a:r>
-                        <a:rPr lang="en-US" sz="1150">
-                          <a:solidFill>
-                            <a:srgbClr val="000000"/>
-                          </a:solidFill>
-                          <a:latin typeface="Arial"/>
-                          <a:ea typeface="Times New Roman"/>
-                          <a:cs typeface="Times New Roman"/>
-                        </a:rPr>
-                        <a:t>To allow users to remove themselves from queue and display updated user “MyAccount”</a:t>
-                      </a:r>
-                      <a:endParaRPr lang="en-US" sz="1100">
-                        <a:latin typeface="Calibri"/>
-                        <a:ea typeface="Calibri"/>
-                        <a:cs typeface="Times New Roman"/>
-                      </a:endParaRPr>
-                    </a:p>
-                  </a:txBody>
-                  <a:tcPr marL="66675" marR="66675" marT="66675" marB="66675">
-                    <a:lnL w="12700" cap="flat" cmpd="sng" algn="ctr">
-                      <a:solidFill>
-                        <a:srgbClr val="000000"/>
-                      </a:solidFill>
-                      <a:prstDash val="solid"/>
-                      <a:round/>
-                      <a:headEnd type="none" w="med" len="med"/>
-                      <a:tailEnd type="none" w="med" len="med"/>
-                    </a:lnL>
-                    <a:lnR w="12700" cap="flat" cmpd="sng" algn="ctr">
-                      <a:solidFill>
-                        <a:srgbClr val="000000"/>
-                      </a:solidFill>
-                      <a:prstDash val="solid"/>
-                      <a:round/>
-                      <a:headEnd type="none" w="med" len="med"/>
-                      <a:tailEnd type="none" w="med" len="med"/>
-                    </a:lnR>
-                    <a:lnT w="12700" cap="flat" cmpd="sng" algn="ctr">
-                      <a:solidFill>
-                        <a:srgbClr val="000000"/>
-                      </a:solidFill>
-                      <a:prstDash val="solid"/>
-                      <a:round/>
-                      <a:headEnd type="none" w="med" len="med"/>
-                      <a:tailEnd type="none" w="med" len="med"/>
-                    </a:lnT>
-                    <a:lnB w="12700" cap="flat" cmpd="sng" algn="ctr">
-                      <a:solidFill>
-                        <a:srgbClr val="000000"/>
-                      </a:solidFill>
-                      <a:prstDash val="solid"/>
-                      <a:round/>
-                      <a:headEnd type="none" w="med" len="med"/>
-                      <a:tailEnd type="none" w="med" len="med"/>
-                    </a:lnB>
-                  </a:tcPr>
-                </a:tc>
-              </a:tr>
-              <a:tr h="0">
-                <a:tc>
-                  <a:txBody>
-                    <a:bodyPr/>
-                    <a:lstStyle/>
-                    <a:p>
-                      <a:pPr marL="0" marR="0">
-                        <a:lnSpc>
-                          <a:spcPct val="107000"/>
-                        </a:lnSpc>
-                        <a:spcBef>
-                          <a:spcPts val="0"/>
-                        </a:spcBef>
-                        <a:spcAft>
-                          <a:spcPts val="0"/>
-                        </a:spcAft>
-                      </a:pPr>
-                      <a:r>
-                        <a:rPr lang="en-US" sz="1150">
-                          <a:solidFill>
-                            <a:srgbClr val="000000"/>
-                          </a:solidFill>
-                          <a:latin typeface="Arial"/>
-                          <a:ea typeface="Times New Roman"/>
-                          <a:cs typeface="Times New Roman"/>
-                        </a:rPr>
-                        <a:t>Preconditions</a:t>
-                      </a:r>
-                      <a:endParaRPr lang="en-US" sz="1100">
-                        <a:latin typeface="Calibri"/>
-                        <a:ea typeface="Calibri"/>
-                        <a:cs typeface="Times New Roman"/>
-                      </a:endParaRPr>
-                    </a:p>
-                  </a:txBody>
-                  <a:tcPr marL="66675" marR="66675" marT="66675" marB="66675">
-                    <a:lnL w="12700" cap="flat" cmpd="sng" algn="ctr">
-                      <a:solidFill>
-                        <a:srgbClr val="000000"/>
-                      </a:solidFill>
-                      <a:prstDash val="solid"/>
-                      <a:round/>
-                      <a:headEnd type="none" w="med" len="med"/>
-                      <a:tailEnd type="none" w="med" len="med"/>
-                    </a:lnL>
-                    <a:lnR w="12700" cap="flat" cmpd="sng" algn="ctr">
-                      <a:solidFill>
-                        <a:srgbClr val="000000"/>
-                      </a:solidFill>
-                      <a:prstDash val="solid"/>
-                      <a:round/>
-                      <a:headEnd type="none" w="med" len="med"/>
-                      <a:tailEnd type="none" w="med" len="med"/>
-                    </a:lnR>
-                    <a:lnT w="12700" cap="flat" cmpd="sng" algn="ctr">
-                      <a:solidFill>
-                        <a:srgbClr val="000000"/>
-                      </a:solidFill>
-                      <a:prstDash val="solid"/>
-                      <a:round/>
-                      <a:headEnd type="none" w="med" len="med"/>
-                      <a:tailEnd type="none" w="med" len="med"/>
-                    </a:lnT>
-                    <a:lnB w="12700" cap="flat" cmpd="sng" algn="ctr">
-                      <a:solidFill>
-                        <a:srgbClr val="000000"/>
-                      </a:solidFill>
-                      <a:prstDash val="solid"/>
-                      <a:round/>
-                      <a:headEnd type="none" w="med" len="med"/>
-                      <a:tailEnd type="none" w="med" len="med"/>
-                    </a:lnB>
-                  </a:tcPr>
-                </a:tc>
-                <a:tc>
-                  <a:txBody>
-                    <a:bodyPr/>
-                    <a:lstStyle/>
-                    <a:p>
-                      <a:pPr marL="0" marR="0">
-                        <a:lnSpc>
-                          <a:spcPct val="107000"/>
-                        </a:lnSpc>
-                        <a:spcBef>
-                          <a:spcPts val="0"/>
-                        </a:spcBef>
-                        <a:spcAft>
-                          <a:spcPts val="0"/>
-                        </a:spcAft>
-                      </a:pPr>
-                      <a:r>
-                        <a:rPr lang="en-US" sz="1150">
-                          <a:solidFill>
-                            <a:srgbClr val="000000"/>
-                          </a:solidFill>
-                          <a:latin typeface="Arial"/>
-                          <a:ea typeface="Times New Roman"/>
-                          <a:cs typeface="Times New Roman"/>
-                        </a:rPr>
-                        <a:t>User is signed in to the system and has saved their edited/new schedule</a:t>
-                      </a:r>
-                      <a:endParaRPr lang="en-US" sz="1100">
-                        <a:latin typeface="Calibri"/>
-                        <a:ea typeface="Calibri"/>
-                        <a:cs typeface="Times New Roman"/>
-                      </a:endParaRPr>
-                    </a:p>
-                  </a:txBody>
-                  <a:tcPr marL="66675" marR="66675" marT="66675" marB="66675">
-                    <a:lnL w="12700" cap="flat" cmpd="sng" algn="ctr">
-                      <a:solidFill>
-                        <a:srgbClr val="000000"/>
-                      </a:solidFill>
-                      <a:prstDash val="solid"/>
-                      <a:round/>
-                      <a:headEnd type="none" w="med" len="med"/>
-                      <a:tailEnd type="none" w="med" len="med"/>
-                    </a:lnL>
-                    <a:lnR w="12700" cap="flat" cmpd="sng" algn="ctr">
-                      <a:solidFill>
-                        <a:srgbClr val="000000"/>
-                      </a:solidFill>
-                      <a:prstDash val="solid"/>
-                      <a:round/>
-                      <a:headEnd type="none" w="med" len="med"/>
-                      <a:tailEnd type="none" w="med" len="med"/>
-                    </a:lnR>
-                    <a:lnT w="12700" cap="flat" cmpd="sng" algn="ctr">
-                      <a:solidFill>
-                        <a:srgbClr val="000000"/>
-                      </a:solidFill>
-                      <a:prstDash val="solid"/>
-                      <a:round/>
-                      <a:headEnd type="none" w="med" len="med"/>
-                      <a:tailEnd type="none" w="med" len="med"/>
-                    </a:lnT>
-                    <a:lnB w="12700" cap="flat" cmpd="sng" algn="ctr">
-                      <a:solidFill>
-                        <a:srgbClr val="000000"/>
-                      </a:solidFill>
-                      <a:prstDash val="solid"/>
-                      <a:round/>
-                      <a:headEnd type="none" w="med" len="med"/>
-                      <a:tailEnd type="none" w="med" len="med"/>
-                    </a:lnB>
-                  </a:tcPr>
-                </a:tc>
-              </a:tr>
-              <a:tr h="0">
-                <a:tc>
-                  <a:txBody>
-                    <a:bodyPr/>
-                    <a:lstStyle/>
-                    <a:p>
-                      <a:pPr marL="0" marR="0">
-                        <a:lnSpc>
-                          <a:spcPct val="107000"/>
-                        </a:lnSpc>
-                        <a:spcBef>
-                          <a:spcPts val="0"/>
-                        </a:spcBef>
-                        <a:spcAft>
-                          <a:spcPts val="0"/>
-                        </a:spcAft>
-                      </a:pPr>
-                      <a:r>
-                        <a:rPr lang="en-US" sz="1150">
-                          <a:solidFill>
-                            <a:srgbClr val="000000"/>
-                          </a:solidFill>
-                          <a:latin typeface="Arial"/>
-                          <a:ea typeface="Times New Roman"/>
-                          <a:cs typeface="Times New Roman"/>
-                        </a:rPr>
-                        <a:t>Inputs</a:t>
-                      </a:r>
-                      <a:endParaRPr lang="en-US" sz="1100">
-                        <a:latin typeface="Calibri"/>
-                        <a:ea typeface="Calibri"/>
-                        <a:cs typeface="Times New Roman"/>
-                      </a:endParaRPr>
-                    </a:p>
-                  </a:txBody>
-                  <a:tcPr marL="66675" marR="66675" marT="66675" marB="66675">
-                    <a:lnL w="12700" cap="flat" cmpd="sng" algn="ctr">
-                      <a:solidFill>
-                        <a:srgbClr val="000000"/>
-                      </a:solidFill>
-                      <a:prstDash val="solid"/>
-                      <a:round/>
-                      <a:headEnd type="none" w="med" len="med"/>
-                      <a:tailEnd type="none" w="med" len="med"/>
-                    </a:lnL>
-                    <a:lnR w="12700" cap="flat" cmpd="sng" algn="ctr">
-                      <a:solidFill>
-                        <a:srgbClr val="000000"/>
-                      </a:solidFill>
-                      <a:prstDash val="solid"/>
-                      <a:round/>
-                      <a:headEnd type="none" w="med" len="med"/>
-                      <a:tailEnd type="none" w="med" len="med"/>
-                    </a:lnR>
-                    <a:lnT w="12700" cap="flat" cmpd="sng" algn="ctr">
-                      <a:solidFill>
-                        <a:srgbClr val="000000"/>
-                      </a:solidFill>
-                      <a:prstDash val="solid"/>
-                      <a:round/>
-                      <a:headEnd type="none" w="med" len="med"/>
-                      <a:tailEnd type="none" w="med" len="med"/>
-                    </a:lnT>
-                    <a:lnB w="12700" cap="flat" cmpd="sng" algn="ctr">
-                      <a:solidFill>
-                        <a:srgbClr val="000000"/>
-                      </a:solidFill>
-                      <a:prstDash val="solid"/>
-                      <a:round/>
-                      <a:headEnd type="none" w="med" len="med"/>
-                      <a:tailEnd type="none" w="med" len="med"/>
-                    </a:lnB>
-                  </a:tcPr>
-                </a:tc>
-                <a:tc>
-                  <a:txBody>
-                    <a:bodyPr/>
-                    <a:lstStyle/>
-                    <a:p>
-                      <a:pPr marL="0" marR="0">
-                        <a:lnSpc>
-                          <a:spcPct val="107000"/>
-                        </a:lnSpc>
-                        <a:spcBef>
-                          <a:spcPts val="0"/>
-                        </a:spcBef>
-                        <a:spcAft>
-                          <a:spcPts val="0"/>
-                        </a:spcAft>
-                      </a:pPr>
-                      <a:r>
-                        <a:rPr lang="en-US" sz="1150">
-                          <a:solidFill>
-                            <a:srgbClr val="000000"/>
-                          </a:solidFill>
-                          <a:latin typeface="Arial"/>
-                          <a:ea typeface="Times New Roman"/>
-                          <a:cs typeface="Times New Roman"/>
-                        </a:rPr>
-                        <a:t>Activity sets with their corresponding wait times</a:t>
-                      </a:r>
-                      <a:endParaRPr lang="en-US" sz="1100">
-                        <a:latin typeface="Calibri"/>
-                        <a:ea typeface="Calibri"/>
-                        <a:cs typeface="Times New Roman"/>
-                      </a:endParaRPr>
-                    </a:p>
-                  </a:txBody>
-                  <a:tcPr marL="66675" marR="66675" marT="66675" marB="66675">
-                    <a:lnL w="12700" cap="flat" cmpd="sng" algn="ctr">
-                      <a:solidFill>
-                        <a:srgbClr val="000000"/>
-                      </a:solidFill>
-                      <a:prstDash val="solid"/>
-                      <a:round/>
-                      <a:headEnd type="none" w="med" len="med"/>
-                      <a:tailEnd type="none" w="med" len="med"/>
-                    </a:lnL>
-                    <a:lnR w="12700" cap="flat" cmpd="sng" algn="ctr">
-                      <a:solidFill>
-                        <a:srgbClr val="000000"/>
-                      </a:solidFill>
-                      <a:prstDash val="solid"/>
-                      <a:round/>
-                      <a:headEnd type="none" w="med" len="med"/>
-                      <a:tailEnd type="none" w="med" len="med"/>
-                    </a:lnR>
-                    <a:lnT w="12700" cap="flat" cmpd="sng" algn="ctr">
-                      <a:solidFill>
-                        <a:srgbClr val="000000"/>
-                      </a:solidFill>
-                      <a:prstDash val="solid"/>
-                      <a:round/>
-                      <a:headEnd type="none" w="med" len="med"/>
-                      <a:tailEnd type="none" w="med" len="med"/>
-                    </a:lnT>
-                    <a:lnB w="12700" cap="flat" cmpd="sng" algn="ctr">
-                      <a:solidFill>
-                        <a:srgbClr val="000000"/>
-                      </a:solidFill>
-                      <a:prstDash val="solid"/>
-                      <a:round/>
-                      <a:headEnd type="none" w="med" len="med"/>
-                      <a:tailEnd type="none" w="med" len="med"/>
-                    </a:lnB>
-                  </a:tcPr>
-                </a:tc>
-              </a:tr>
-              <a:tr h="0">
-                <a:tc>
-                  <a:txBody>
-                    <a:bodyPr/>
-                    <a:lstStyle/>
-                    <a:p>
-                      <a:pPr marL="0" marR="0">
-                        <a:lnSpc>
-                          <a:spcPct val="107000"/>
-                        </a:lnSpc>
-                        <a:spcBef>
-                          <a:spcPts val="0"/>
-                        </a:spcBef>
-                        <a:spcAft>
-                          <a:spcPts val="0"/>
-                        </a:spcAft>
-                      </a:pPr>
-                      <a:r>
-                        <a:rPr lang="en-US" sz="1150">
-                          <a:solidFill>
-                            <a:srgbClr val="000000"/>
-                          </a:solidFill>
-                          <a:latin typeface="Arial"/>
-                          <a:ea typeface="Times New Roman"/>
-                          <a:cs typeface="Times New Roman"/>
-                        </a:rPr>
-                        <a:t>Expected Response</a:t>
-                      </a:r>
-                      <a:endParaRPr lang="en-US" sz="1100">
-                        <a:latin typeface="Calibri"/>
-                        <a:ea typeface="Calibri"/>
-                        <a:cs typeface="Times New Roman"/>
-                      </a:endParaRPr>
-                    </a:p>
-                  </a:txBody>
-                  <a:tcPr marL="66675" marR="66675" marT="66675" marB="66675">
-                    <a:lnL w="12700" cap="flat" cmpd="sng" algn="ctr">
-                      <a:solidFill>
-                        <a:srgbClr val="000000"/>
-                      </a:solidFill>
-                      <a:prstDash val="solid"/>
-                      <a:round/>
-                      <a:headEnd type="none" w="med" len="med"/>
-                      <a:tailEnd type="none" w="med" len="med"/>
-                    </a:lnL>
-                    <a:lnR w="12700" cap="flat" cmpd="sng" algn="ctr">
-                      <a:solidFill>
-                        <a:srgbClr val="000000"/>
-                      </a:solidFill>
-                      <a:prstDash val="solid"/>
-                      <a:round/>
-                      <a:headEnd type="none" w="med" len="med"/>
-                      <a:tailEnd type="none" w="med" len="med"/>
-                    </a:lnR>
-                    <a:lnT w="12700" cap="flat" cmpd="sng" algn="ctr">
-                      <a:solidFill>
-                        <a:srgbClr val="000000"/>
-                      </a:solidFill>
-                      <a:prstDash val="solid"/>
-                      <a:round/>
-                      <a:headEnd type="none" w="med" len="med"/>
-                      <a:tailEnd type="none" w="med" len="med"/>
-                    </a:lnT>
-                    <a:lnB w="12700" cap="flat" cmpd="sng" algn="ctr">
-                      <a:solidFill>
-                        <a:srgbClr val="000000"/>
-                      </a:solidFill>
-                      <a:prstDash val="solid"/>
-                      <a:round/>
-                      <a:headEnd type="none" w="med" len="med"/>
-                      <a:tailEnd type="none" w="med" len="med"/>
-                    </a:lnB>
-                  </a:tcPr>
-                </a:tc>
-                <a:tc>
-                  <a:txBody>
-                    <a:bodyPr/>
-                    <a:lstStyle/>
-                    <a:p>
-                      <a:pPr marL="0" marR="0">
-                        <a:lnSpc>
-                          <a:spcPct val="107000"/>
-                        </a:lnSpc>
-                        <a:spcBef>
-                          <a:spcPts val="0"/>
-                        </a:spcBef>
-                        <a:spcAft>
-                          <a:spcPts val="0"/>
-                        </a:spcAft>
-                      </a:pPr>
-                      <a:r>
-                        <a:rPr lang="en-US" sz="1150">
-                          <a:solidFill>
-                            <a:srgbClr val="000000"/>
-                          </a:solidFill>
-                          <a:latin typeface="Arial"/>
-                          <a:ea typeface="Times New Roman"/>
-                          <a:cs typeface="Times New Roman"/>
-                        </a:rPr>
-                        <a:t>“MyAccounts” list of users activities be updated to remove the selected ride</a:t>
-                      </a:r>
-                      <a:endParaRPr lang="en-US" sz="1100">
-                        <a:latin typeface="Calibri"/>
-                        <a:ea typeface="Calibri"/>
-                        <a:cs typeface="Times New Roman"/>
-                      </a:endParaRPr>
-                    </a:p>
-                  </a:txBody>
-                  <a:tcPr marL="66675" marR="66675" marT="66675" marB="66675">
-                    <a:lnL w="12700" cap="flat" cmpd="sng" algn="ctr">
-                      <a:solidFill>
-                        <a:srgbClr val="000000"/>
-                      </a:solidFill>
-                      <a:prstDash val="solid"/>
-                      <a:round/>
-                      <a:headEnd type="none" w="med" len="med"/>
-                      <a:tailEnd type="none" w="med" len="med"/>
-                    </a:lnL>
-                    <a:lnR w="12700" cap="flat" cmpd="sng" algn="ctr">
-                      <a:solidFill>
-                        <a:srgbClr val="000000"/>
-                      </a:solidFill>
-                      <a:prstDash val="solid"/>
-                      <a:round/>
-                      <a:headEnd type="none" w="med" len="med"/>
-                      <a:tailEnd type="none" w="med" len="med"/>
-                    </a:lnR>
-                    <a:lnT w="12700" cap="flat" cmpd="sng" algn="ctr">
-                      <a:solidFill>
-                        <a:srgbClr val="000000"/>
-                      </a:solidFill>
-                      <a:prstDash val="solid"/>
-                      <a:round/>
-                      <a:headEnd type="none" w="med" len="med"/>
-                      <a:tailEnd type="none" w="med" len="med"/>
-                    </a:lnT>
-                    <a:lnB w="12700" cap="flat" cmpd="sng" algn="ctr">
-                      <a:solidFill>
-                        <a:srgbClr val="000000"/>
-                      </a:solidFill>
-                      <a:prstDash val="solid"/>
-                      <a:round/>
-                      <a:headEnd type="none" w="med" len="med"/>
-                      <a:tailEnd type="none" w="med" len="med"/>
-                    </a:lnB>
-                  </a:tcPr>
-                </a:tc>
-              </a:tr>
-              <a:tr h="0">
-                <a:tc>
-                  <a:txBody>
-                    <a:bodyPr/>
-                    <a:lstStyle/>
-                    <a:p>
-                      <a:pPr marL="0" marR="0">
-                        <a:lnSpc>
-                          <a:spcPct val="107000"/>
-                        </a:lnSpc>
-                        <a:spcBef>
-                          <a:spcPts val="0"/>
-                        </a:spcBef>
-                        <a:spcAft>
-                          <a:spcPts val="0"/>
-                        </a:spcAft>
-                      </a:pPr>
-                      <a:r>
-                        <a:rPr lang="en-US" sz="1150">
-                          <a:solidFill>
-                            <a:srgbClr val="000000"/>
-                          </a:solidFill>
-                          <a:latin typeface="Arial"/>
-                          <a:ea typeface="Times New Roman"/>
-                          <a:cs typeface="Times New Roman"/>
-                        </a:rPr>
-                        <a:t>Actual Response</a:t>
-                      </a:r>
-                      <a:endParaRPr lang="en-US" sz="1100">
-                        <a:latin typeface="Calibri"/>
-                        <a:ea typeface="Calibri"/>
-                        <a:cs typeface="Times New Roman"/>
-                      </a:endParaRPr>
-                    </a:p>
-                  </a:txBody>
-                  <a:tcPr marL="66675" marR="66675" marT="66675" marB="66675">
-                    <a:lnL w="12700" cap="flat" cmpd="sng" algn="ctr">
-                      <a:solidFill>
-                        <a:srgbClr val="000000"/>
-                      </a:solidFill>
-                      <a:prstDash val="solid"/>
-                      <a:round/>
-                      <a:headEnd type="none" w="med" len="med"/>
-                      <a:tailEnd type="none" w="med" len="med"/>
-                    </a:lnL>
-                    <a:lnR w="12700" cap="flat" cmpd="sng" algn="ctr">
-                      <a:solidFill>
-                        <a:srgbClr val="000000"/>
-                      </a:solidFill>
-                      <a:prstDash val="solid"/>
-                      <a:round/>
-                      <a:headEnd type="none" w="med" len="med"/>
-                      <a:tailEnd type="none" w="med" len="med"/>
-                    </a:lnR>
-                    <a:lnT w="12700" cap="flat" cmpd="sng" algn="ctr">
-                      <a:solidFill>
-                        <a:srgbClr val="000000"/>
-                      </a:solidFill>
-                      <a:prstDash val="solid"/>
-                      <a:round/>
-                      <a:headEnd type="none" w="med" len="med"/>
-                      <a:tailEnd type="none" w="med" len="med"/>
-                    </a:lnT>
-                    <a:lnB w="12700" cap="flat" cmpd="sng" algn="ctr">
-                      <a:solidFill>
-                        <a:srgbClr val="000000"/>
-                      </a:solidFill>
-                      <a:prstDash val="solid"/>
-                      <a:round/>
-                      <a:headEnd type="none" w="med" len="med"/>
-                      <a:tailEnd type="none" w="med" len="med"/>
-                    </a:lnB>
-                  </a:tcPr>
-                </a:tc>
-                <a:tc>
-                  <a:txBody>
-                    <a:bodyPr/>
-                    <a:lstStyle/>
-                    <a:p>
-                      <a:pPr marL="0" marR="0">
-                        <a:lnSpc>
-                          <a:spcPct val="107000"/>
-                        </a:lnSpc>
-                        <a:spcBef>
-                          <a:spcPts val="0"/>
-                        </a:spcBef>
-                        <a:spcAft>
-                          <a:spcPts val="0"/>
-                        </a:spcAft>
-                      </a:pPr>
-                      <a:r>
-                        <a:rPr lang="en-US" sz="1150">
-                          <a:solidFill>
-                            <a:srgbClr val="000000"/>
-                          </a:solidFill>
-                          <a:latin typeface="Arial"/>
-                          <a:ea typeface="Times New Roman"/>
-                          <a:cs typeface="Times New Roman"/>
-                        </a:rPr>
-                        <a:t>“MyAccounts” list of users list of activities is updated to not include the selected ride</a:t>
-                      </a:r>
-                      <a:endParaRPr lang="en-US" sz="1100">
-                        <a:latin typeface="Calibri"/>
-                        <a:ea typeface="Calibri"/>
-                        <a:cs typeface="Times New Roman"/>
-                      </a:endParaRPr>
-                    </a:p>
-                  </a:txBody>
-                  <a:tcPr marL="66675" marR="66675" marT="66675" marB="66675">
-                    <a:lnL w="12700" cap="flat" cmpd="sng" algn="ctr">
-                      <a:solidFill>
-                        <a:srgbClr val="000000"/>
-                      </a:solidFill>
-                      <a:prstDash val="solid"/>
-                      <a:round/>
-                      <a:headEnd type="none" w="med" len="med"/>
-                      <a:tailEnd type="none" w="med" len="med"/>
-                    </a:lnL>
-                    <a:lnR w="12700" cap="flat" cmpd="sng" algn="ctr">
-                      <a:solidFill>
-                        <a:srgbClr val="000000"/>
-                      </a:solidFill>
-                      <a:prstDash val="solid"/>
-                      <a:round/>
-                      <a:headEnd type="none" w="med" len="med"/>
-                      <a:tailEnd type="none" w="med" len="med"/>
-                    </a:lnR>
-                    <a:lnT w="12700" cap="flat" cmpd="sng" algn="ctr">
-                      <a:solidFill>
-                        <a:srgbClr val="000000"/>
-                      </a:solidFill>
-                      <a:prstDash val="solid"/>
-                      <a:round/>
-                      <a:headEnd type="none" w="med" len="med"/>
-                      <a:tailEnd type="none" w="med" len="med"/>
-                    </a:lnT>
-                    <a:lnB w="12700" cap="flat" cmpd="sng" algn="ctr">
-                      <a:solidFill>
-                        <a:srgbClr val="000000"/>
-                      </a:solidFill>
-                      <a:prstDash val="solid"/>
-                      <a:round/>
-                      <a:headEnd type="none" w="med" len="med"/>
-                      <a:tailEnd type="none" w="med" len="med"/>
-                    </a:lnB>
-                  </a:tcPr>
-                </a:tc>
-              </a:tr>
-              <a:tr h="0">
-                <a:tc>
-                  <a:txBody>
-                    <a:bodyPr/>
-                    <a:lstStyle/>
-                    <a:p>
-                      <a:pPr marL="0" marR="0">
-                        <a:lnSpc>
-                          <a:spcPct val="107000"/>
-                        </a:lnSpc>
-                        <a:spcBef>
-                          <a:spcPts val="0"/>
-                        </a:spcBef>
-                        <a:spcAft>
-                          <a:spcPts val="0"/>
-                        </a:spcAft>
-                      </a:pPr>
-                      <a:r>
-                        <a:rPr lang="en-US" sz="1150">
-                          <a:solidFill>
-                            <a:srgbClr val="000000"/>
-                          </a:solidFill>
-                          <a:latin typeface="Arial"/>
-                          <a:ea typeface="Times New Roman"/>
-                          <a:cs typeface="Times New Roman"/>
-                        </a:rPr>
-                        <a:t>Result</a:t>
-                      </a:r>
-                      <a:endParaRPr lang="en-US" sz="1100">
-                        <a:latin typeface="Calibri"/>
-                        <a:ea typeface="Calibri"/>
-                        <a:cs typeface="Times New Roman"/>
-                      </a:endParaRPr>
-                    </a:p>
-                  </a:txBody>
-                  <a:tcPr marL="66675" marR="66675" marT="66675" marB="66675">
-                    <a:lnL w="12700" cap="flat" cmpd="sng" algn="ctr">
-                      <a:solidFill>
-                        <a:srgbClr val="000000"/>
-                      </a:solidFill>
-                      <a:prstDash val="solid"/>
-                      <a:round/>
-                      <a:headEnd type="none" w="med" len="med"/>
-                      <a:tailEnd type="none" w="med" len="med"/>
-                    </a:lnL>
-                    <a:lnR w="12700" cap="flat" cmpd="sng" algn="ctr">
-                      <a:solidFill>
-                        <a:srgbClr val="000000"/>
-                      </a:solidFill>
-                      <a:prstDash val="solid"/>
-                      <a:round/>
-                      <a:headEnd type="none" w="med" len="med"/>
-                      <a:tailEnd type="none" w="med" len="med"/>
-                    </a:lnR>
-                    <a:lnT w="12700" cap="flat" cmpd="sng" algn="ctr">
-                      <a:solidFill>
-                        <a:srgbClr val="000000"/>
-                      </a:solidFill>
-                      <a:prstDash val="solid"/>
-                      <a:round/>
-                      <a:headEnd type="none" w="med" len="med"/>
-                      <a:tailEnd type="none" w="med" len="med"/>
-                    </a:lnT>
-                    <a:lnB w="12700" cap="flat" cmpd="sng" algn="ctr">
-                      <a:solidFill>
-                        <a:srgbClr val="000000"/>
-                      </a:solidFill>
-                      <a:prstDash val="solid"/>
-                      <a:round/>
-                      <a:headEnd type="none" w="med" len="med"/>
-                      <a:tailEnd type="none" w="med" len="med"/>
-                    </a:lnB>
-                  </a:tcPr>
-                </a:tc>
-                <a:tc>
-                  <a:txBody>
-                    <a:bodyPr/>
-                    <a:lstStyle/>
-                    <a:p>
-                      <a:pPr marL="0" marR="0">
-                        <a:lnSpc>
-                          <a:spcPct val="107000"/>
-                        </a:lnSpc>
-                        <a:spcBef>
-                          <a:spcPts val="0"/>
-                        </a:spcBef>
-                        <a:spcAft>
-                          <a:spcPts val="0"/>
-                        </a:spcAft>
-                      </a:pPr>
-                      <a:r>
-                        <a:rPr lang="en-US" sz="1150">
-                          <a:solidFill>
-                            <a:srgbClr val="000000"/>
-                          </a:solidFill>
-                          <a:latin typeface="Arial"/>
-                          <a:ea typeface="Times New Roman"/>
-                          <a:cs typeface="Times New Roman"/>
-                        </a:rPr>
-                        <a:t>Pass</a:t>
-                      </a:r>
-                      <a:endParaRPr lang="en-US" sz="1100">
-                        <a:latin typeface="Calibri"/>
-                        <a:ea typeface="Calibri"/>
-                        <a:cs typeface="Times New Roman"/>
-                      </a:endParaRPr>
-                    </a:p>
-                  </a:txBody>
-                  <a:tcPr marL="66675" marR="66675" marT="66675" marB="66675">
-                    <a:lnL w="12700" cap="flat" cmpd="sng" algn="ctr">
-                      <a:solidFill>
-                        <a:srgbClr val="000000"/>
-                      </a:solidFill>
-                      <a:prstDash val="solid"/>
-                      <a:round/>
-                      <a:headEnd type="none" w="med" len="med"/>
-                      <a:tailEnd type="none" w="med" len="med"/>
-                    </a:lnL>
-                    <a:lnR w="12700" cap="flat" cmpd="sng" algn="ctr">
-                      <a:solidFill>
-                        <a:srgbClr val="000000"/>
-                      </a:solidFill>
-                      <a:prstDash val="solid"/>
-                      <a:round/>
-                      <a:headEnd type="none" w="med" len="med"/>
-                      <a:tailEnd type="none" w="med" len="med"/>
-                    </a:lnR>
-                    <a:lnT w="12700" cap="flat" cmpd="sng" algn="ctr">
-                      <a:solidFill>
-                        <a:srgbClr val="000000"/>
-                      </a:solidFill>
-                      <a:prstDash val="solid"/>
-                      <a:round/>
-                      <a:headEnd type="none" w="med" len="med"/>
-                      <a:tailEnd type="none" w="med" len="med"/>
-                    </a:lnT>
-                    <a:lnB w="12700" cap="flat" cmpd="sng" algn="ctr">
-                      <a:solidFill>
-                        <a:srgbClr val="000000"/>
-                      </a:solidFill>
-                      <a:prstDash val="solid"/>
-                      <a:round/>
-                      <a:headEnd type="none" w="med" len="med"/>
-                      <a:tailEnd type="none" w="med" len="med"/>
-                    </a:lnB>
-                  </a:tcPr>
-                </a:tc>
-              </a:tr>
-              <a:tr h="0">
-                <a:tc>
-                  <a:txBody>
-                    <a:bodyPr/>
-                    <a:lstStyle/>
-                    <a:p>
-                      <a:pPr marL="0" marR="0">
-                        <a:lnSpc>
-                          <a:spcPct val="107000"/>
-                        </a:lnSpc>
-                        <a:spcBef>
-                          <a:spcPts val="0"/>
-                        </a:spcBef>
-                        <a:spcAft>
-                          <a:spcPts val="0"/>
-                        </a:spcAft>
-                      </a:pPr>
-                      <a:r>
-                        <a:rPr lang="en-US" sz="1150">
-                          <a:solidFill>
-                            <a:srgbClr val="000000"/>
-                          </a:solidFill>
-                          <a:latin typeface="Arial"/>
-                          <a:ea typeface="Times New Roman"/>
-                          <a:cs typeface="Times New Roman"/>
-                        </a:rPr>
-                        <a:t>Comments</a:t>
-                      </a:r>
-                      <a:endParaRPr lang="en-US" sz="1100">
-                        <a:latin typeface="Calibri"/>
-                        <a:ea typeface="Calibri"/>
-                        <a:cs typeface="Times New Roman"/>
-                      </a:endParaRPr>
-                    </a:p>
-                  </a:txBody>
-                  <a:tcPr marL="66675" marR="66675" marT="66675" marB="66675">
-                    <a:lnL w="12700" cap="flat" cmpd="sng" algn="ctr">
-                      <a:solidFill>
-                        <a:srgbClr val="000000"/>
-                      </a:solidFill>
-                      <a:prstDash val="solid"/>
-                      <a:round/>
-                      <a:headEnd type="none" w="med" len="med"/>
-                      <a:tailEnd type="none" w="med" len="med"/>
-                    </a:lnL>
-                    <a:lnR w="12700" cap="flat" cmpd="sng" algn="ctr">
-                      <a:solidFill>
-                        <a:srgbClr val="000000"/>
-                      </a:solidFill>
-                      <a:prstDash val="solid"/>
-                      <a:round/>
-                      <a:headEnd type="none" w="med" len="med"/>
-                      <a:tailEnd type="none" w="med" len="med"/>
-                    </a:lnR>
-                    <a:lnT w="12700" cap="flat" cmpd="sng" algn="ctr">
-                      <a:solidFill>
-                        <a:srgbClr val="000000"/>
-                      </a:solidFill>
-                      <a:prstDash val="solid"/>
-                      <a:round/>
-                      <a:headEnd type="none" w="med" len="med"/>
-                      <a:tailEnd type="none" w="med" len="med"/>
-                    </a:lnT>
-                    <a:lnB w="12700" cap="flat" cmpd="sng" algn="ctr">
-                      <a:solidFill>
-                        <a:srgbClr val="000000"/>
-                      </a:solidFill>
-                      <a:prstDash val="solid"/>
-                      <a:round/>
-                      <a:headEnd type="none" w="med" len="med"/>
-                      <a:tailEnd type="none" w="med" len="med"/>
-                    </a:lnB>
-                  </a:tcPr>
-                </a:tc>
-                <a:tc>
-                  <a:txBody>
-                    <a:bodyPr/>
-                    <a:lstStyle/>
-                    <a:p>
-                      <a:pPr>
-                        <a:lnSpc>
-                          <a:spcPct val="107000"/>
-                        </a:lnSpc>
-                      </a:pPr>
-                      <a:endParaRPr lang="en-US" sz="1100" dirty="0">
-                        <a:latin typeface="Calibri"/>
-                        <a:ea typeface="Times New Roman"/>
-                      </a:endParaRPr>
-                    </a:p>
-                  </a:txBody>
-                  <a:tcPr marL="66675" marR="66675" marT="66675" marB="66675">
-                    <a:lnL w="12700" cap="flat" cmpd="sng" algn="ctr">
-                      <a:solidFill>
-                        <a:srgbClr val="000000"/>
-                      </a:solidFill>
-                      <a:prstDash val="solid"/>
-                      <a:round/>
-                      <a:headEnd type="none" w="med" len="med"/>
-                      <a:tailEnd type="none" w="med" len="med"/>
-                    </a:lnL>
-                    <a:lnR w="12700" cap="flat" cmpd="sng" algn="ctr">
-                      <a:solidFill>
-                        <a:srgbClr val="000000"/>
-                      </a:solidFill>
-                      <a:prstDash val="solid"/>
-                      <a:round/>
-                      <a:headEnd type="none" w="med" len="med"/>
-                      <a:tailEnd type="none" w="med" len="med"/>
-                    </a:lnR>
-                    <a:lnT w="12700" cap="flat" cmpd="sng" algn="ctr">
-                      <a:solidFill>
-                        <a:srgbClr val="000000"/>
-                      </a:solidFill>
-                      <a:prstDash val="solid"/>
-                      <a:round/>
-                      <a:headEnd type="none" w="med" len="med"/>
-                      <a:tailEnd type="none" w="med" len="med"/>
-                    </a:lnT>
-                    <a:lnB w="12700" cap="flat" cmpd="sng" algn="ctr">
-                      <a:solidFill>
-                        <a:srgbClr val="000000"/>
-                      </a:solidFill>
-                      <a:prstDash val="solid"/>
-                      <a:round/>
-                      <a:headEnd type="none" w="med" len="med"/>
-                      <a:tailEnd type="none" w="med" len="med"/>
-                    </a:lnB>
-                  </a:tcPr>
-                </a:tc>
-              </a:tr>
-            </a:tbl>
-          </a:graphicData>
-        </a:graphic>
-      </p:graphicFrame>
-      <p:sp>
-        <p:nvSpPr>
-          <p:cNvPr id="3" name="Title 2"/>
-          <p:cNvSpPr>
-            <a:spLocks noGrp="1"/>
-          </p:cNvSpPr>
-          <p:nvPr>
-            <p:ph type="title"/>
-          </p:nvPr>
-        </p:nvSpPr>
-        <p:spPr>
-          <a:xfrm>
-            <a:off x="304800" y="274638"/>
-            <a:ext cx="8534400" cy="1143000"/>
-          </a:xfrm>
-        </p:spPr>
-        <p:txBody>
-          <a:bodyPr>
-            <a:normAutofit fontScale="90000"/>
-          </a:bodyPr>
-          <a:lstStyle/>
-          <a:p>
-            <a:pPr algn="ctr"/>
-            <a:r>
-              <a:rPr lang="en-US" dirty="0" smtClean="0"/>
-              <a:t>Test Cases: Sunny Day</a:t>
-            </a:r>
-            <a:br>
-              <a:rPr lang="en-US" dirty="0" smtClean="0"/>
-            </a:br>
-            <a:r>
-              <a:rPr lang="en-US" dirty="0" smtClean="0"/>
-              <a:t> Simulate </a:t>
-            </a:r>
-            <a:r>
-              <a:rPr lang="en-US" dirty="0" err="1" smtClean="0"/>
-              <a:t>Dequeue</a:t>
-            </a:r>
-            <a:r>
-              <a:rPr lang="en-US" dirty="0" smtClean="0"/>
-              <a:t> Visitors for Rides</a:t>
-            </a:r>
-            <a:endParaRPr lang="en-US" dirty="0"/>
-          </a:p>
-        </p:txBody>
-      </p:sp>
-    </p:spTree>
-  </p:cSld>
-  <p:clrMapOvr>
-    <a:masterClrMapping/>
-  </p:clrMapOvr>
-  <p:timing>
-    <p:tnLst>
-      <p:par>
-        <p:cTn id="1" dur="indefinite" restart="never" nodeType="tmRoot"/>
-      </p:par>
-    </p:tnLst>
-  </p:timing>
-</p:sld>
-</file>
-
-<file path=ppt/slides/slide27.xml><?xml version="1.0" encoding="utf-8"?>
-<p:sld xmlns:a="http://schemas.openxmlformats.org/drawingml/2006/main" xmlns:r="http://schemas.openxmlformats.org/officeDocument/2006/relationships" xmlns:p="http://schemas.openxmlformats.org/presentationml/2006/main">
-  <p:cSld>
-    <p:spTree>
-      <p:nvGrpSpPr>
-        <p:cNvPr id="1" name=""/>
-        <p:cNvGrpSpPr/>
-        <p:nvPr/>
-      </p:nvGrpSpPr>
-      <p:grpSpPr>
-        <a:xfrm>
-          <a:off x="0" y="0"/>
-          <a:ext cx="0" cy="0"/>
-          <a:chOff x="0" y="0"/>
-          <a:chExt cx="0" cy="0"/>
-        </a:xfrm>
-      </p:grpSpPr>
-      <p:graphicFrame>
-        <p:nvGraphicFramePr>
-          <p:cNvPr id="4" name="Content Placeholder 3"/>
-          <p:cNvGraphicFramePr>
-            <a:graphicFrameLocks noGrp="1"/>
-          </p:cNvGraphicFramePr>
-          <p:nvPr>
-            <p:ph idx="1"/>
-          </p:nvPr>
-        </p:nvGraphicFramePr>
-        <p:xfrm>
-          <a:off x="1524000" y="1710593"/>
-          <a:ext cx="6096000" cy="4067051"/>
-        </p:xfrm>
-        <a:graphic>
-          <a:graphicData uri="http://schemas.openxmlformats.org/drawingml/2006/table">
-            <a:tbl>
-              <a:tblPr/>
-              <a:tblGrid>
-                <a:gridCol w="3048000"/>
-                <a:gridCol w="3048000"/>
-              </a:tblGrid>
-              <a:tr h="0">
-                <a:tc>
-                  <a:txBody>
-                    <a:bodyPr/>
-                    <a:lstStyle/>
-                    <a:p>
-                      <a:pPr marL="0" marR="0">
-                        <a:lnSpc>
-                          <a:spcPct val="107000"/>
-                        </a:lnSpc>
-                        <a:spcBef>
-                          <a:spcPts val="0"/>
-                        </a:spcBef>
-                        <a:spcAft>
-                          <a:spcPts val="0"/>
-                        </a:spcAft>
-                      </a:pPr>
-                      <a:r>
-                        <a:rPr lang="en-US" sz="1150">
-                          <a:solidFill>
-                            <a:srgbClr val="000000"/>
-                          </a:solidFill>
-                          <a:latin typeface="Arial"/>
-                          <a:ea typeface="Times New Roman"/>
-                          <a:cs typeface="Times New Roman"/>
-                        </a:rPr>
-                        <a:t>Test ID</a:t>
-                      </a:r>
-                      <a:endParaRPr lang="en-US" sz="1100">
-                        <a:latin typeface="Calibri"/>
-                        <a:ea typeface="Calibri"/>
-                        <a:cs typeface="Times New Roman"/>
-                      </a:endParaRPr>
-                    </a:p>
-                  </a:txBody>
-                  <a:tcPr marL="66675" marR="66675" marT="66675" marB="66675">
-                    <a:lnL w="12700" cap="flat" cmpd="sng" algn="ctr">
-                      <a:solidFill>
-                        <a:srgbClr val="000000"/>
-                      </a:solidFill>
-                      <a:prstDash val="solid"/>
-                      <a:round/>
-                      <a:headEnd type="none" w="med" len="med"/>
-                      <a:tailEnd type="none" w="med" len="med"/>
-                    </a:lnL>
-                    <a:lnR w="12700" cap="flat" cmpd="sng" algn="ctr">
-                      <a:solidFill>
-                        <a:srgbClr val="000000"/>
-                      </a:solidFill>
-                      <a:prstDash val="solid"/>
-                      <a:round/>
-                      <a:headEnd type="none" w="med" len="med"/>
-                      <a:tailEnd type="none" w="med" len="med"/>
-                    </a:lnR>
-                    <a:lnT w="12700" cap="flat" cmpd="sng" algn="ctr">
-                      <a:solidFill>
-                        <a:srgbClr val="000000"/>
-                      </a:solidFill>
-                      <a:prstDash val="solid"/>
-                      <a:round/>
-                      <a:headEnd type="none" w="med" len="med"/>
-                      <a:tailEnd type="none" w="med" len="med"/>
-                    </a:lnT>
-                    <a:lnB w="12700" cap="flat" cmpd="sng" algn="ctr">
-                      <a:solidFill>
-                        <a:srgbClr val="000000"/>
-                      </a:solidFill>
-                      <a:prstDash val="solid"/>
-                      <a:round/>
-                      <a:headEnd type="none" w="med" len="med"/>
-                      <a:tailEnd type="none" w="med" len="med"/>
-                    </a:lnB>
-                  </a:tcPr>
-                </a:tc>
-                <a:tc>
-                  <a:txBody>
-                    <a:bodyPr/>
-                    <a:lstStyle/>
-                    <a:p>
-                      <a:pPr marL="0" marR="0">
-                        <a:lnSpc>
-                          <a:spcPct val="107000"/>
-                        </a:lnSpc>
-                        <a:spcBef>
-                          <a:spcPts val="0"/>
-                        </a:spcBef>
-                        <a:spcAft>
-                          <a:spcPts val="0"/>
-                        </a:spcAft>
-                      </a:pPr>
-                      <a:r>
-                        <a:rPr lang="en-US" sz="1150">
-                          <a:solidFill>
-                            <a:srgbClr val="000000"/>
-                          </a:solidFill>
-                          <a:latin typeface="Arial"/>
-                          <a:ea typeface="Times New Roman"/>
-                          <a:cs typeface="Times New Roman"/>
-                        </a:rPr>
-                        <a:t>VQ_002.06_VisitorDeque</a:t>
-                      </a:r>
-                      <a:endParaRPr lang="en-US" sz="1100">
-                        <a:latin typeface="Calibri"/>
-                        <a:ea typeface="Calibri"/>
-                        <a:cs typeface="Times New Roman"/>
-                      </a:endParaRPr>
-                    </a:p>
-                  </a:txBody>
-                  <a:tcPr marL="66675" marR="66675" marT="66675" marB="66675">
-                    <a:lnL w="12700" cap="flat" cmpd="sng" algn="ctr">
-                      <a:solidFill>
-                        <a:srgbClr val="000000"/>
-                      </a:solidFill>
-                      <a:prstDash val="solid"/>
-                      <a:round/>
-                      <a:headEnd type="none" w="med" len="med"/>
-                      <a:tailEnd type="none" w="med" len="med"/>
-                    </a:lnL>
-                    <a:lnR w="12700" cap="flat" cmpd="sng" algn="ctr">
-                      <a:solidFill>
-                        <a:srgbClr val="000000"/>
-                      </a:solidFill>
-                      <a:prstDash val="solid"/>
-                      <a:round/>
-                      <a:headEnd type="none" w="med" len="med"/>
-                      <a:tailEnd type="none" w="med" len="med"/>
-                    </a:lnR>
-                    <a:lnT w="12700" cap="flat" cmpd="sng" algn="ctr">
-                      <a:solidFill>
-                        <a:srgbClr val="000000"/>
-                      </a:solidFill>
-                      <a:prstDash val="solid"/>
-                      <a:round/>
-                      <a:headEnd type="none" w="med" len="med"/>
-                      <a:tailEnd type="none" w="med" len="med"/>
-                    </a:lnT>
-                    <a:lnB w="12700" cap="flat" cmpd="sng" algn="ctr">
-                      <a:solidFill>
-                        <a:srgbClr val="000000"/>
-                      </a:solidFill>
-                      <a:prstDash val="solid"/>
-                      <a:round/>
-                      <a:headEnd type="none" w="med" len="med"/>
-                      <a:tailEnd type="none" w="med" len="med"/>
-                    </a:lnB>
-                  </a:tcPr>
-                </a:tc>
-              </a:tr>
-              <a:tr h="0">
-                <a:tc>
-                  <a:txBody>
-                    <a:bodyPr/>
-                    <a:lstStyle/>
-                    <a:p>
-                      <a:pPr marL="0" marR="0">
-                        <a:lnSpc>
-                          <a:spcPct val="107000"/>
-                        </a:lnSpc>
-                        <a:spcBef>
-                          <a:spcPts val="0"/>
-                        </a:spcBef>
-                        <a:spcAft>
-                          <a:spcPts val="0"/>
-                        </a:spcAft>
-                      </a:pPr>
-                      <a:r>
-                        <a:rPr lang="en-US" sz="1150">
-                          <a:solidFill>
-                            <a:srgbClr val="000000"/>
-                          </a:solidFill>
-                          <a:latin typeface="Arial"/>
-                          <a:ea typeface="Times New Roman"/>
-                          <a:cs typeface="Times New Roman"/>
-                        </a:rPr>
-                        <a:t>Purpose</a:t>
-                      </a:r>
-                      <a:endParaRPr lang="en-US" sz="1100">
-                        <a:latin typeface="Calibri"/>
-                        <a:ea typeface="Calibri"/>
-                        <a:cs typeface="Times New Roman"/>
-                      </a:endParaRPr>
-                    </a:p>
-                  </a:txBody>
-                  <a:tcPr marL="66675" marR="66675" marT="66675" marB="66675">
-                    <a:lnL w="12700" cap="flat" cmpd="sng" algn="ctr">
-                      <a:solidFill>
-                        <a:srgbClr val="000000"/>
-                      </a:solidFill>
-                      <a:prstDash val="solid"/>
-                      <a:round/>
-                      <a:headEnd type="none" w="med" len="med"/>
-                      <a:tailEnd type="none" w="med" len="med"/>
-                    </a:lnL>
-                    <a:lnR w="12700" cap="flat" cmpd="sng" algn="ctr">
-                      <a:solidFill>
-                        <a:srgbClr val="000000"/>
-                      </a:solidFill>
-                      <a:prstDash val="solid"/>
-                      <a:round/>
-                      <a:headEnd type="none" w="med" len="med"/>
-                      <a:tailEnd type="none" w="med" len="med"/>
-                    </a:lnR>
-                    <a:lnT w="12700" cap="flat" cmpd="sng" algn="ctr">
-                      <a:solidFill>
-                        <a:srgbClr val="000000"/>
-                      </a:solidFill>
-                      <a:prstDash val="solid"/>
-                      <a:round/>
-                      <a:headEnd type="none" w="med" len="med"/>
-                      <a:tailEnd type="none" w="med" len="med"/>
-                    </a:lnT>
-                    <a:lnB w="12700" cap="flat" cmpd="sng" algn="ctr">
-                      <a:solidFill>
-                        <a:srgbClr val="000000"/>
-                      </a:solidFill>
-                      <a:prstDash val="solid"/>
-                      <a:round/>
-                      <a:headEnd type="none" w="med" len="med"/>
-                      <a:tailEnd type="none" w="med" len="med"/>
-                    </a:lnB>
-                  </a:tcPr>
-                </a:tc>
-                <a:tc>
-                  <a:txBody>
-                    <a:bodyPr/>
-                    <a:lstStyle/>
-                    <a:p>
-                      <a:pPr marL="0" marR="0">
-                        <a:lnSpc>
-                          <a:spcPct val="107000"/>
-                        </a:lnSpc>
-                        <a:spcBef>
-                          <a:spcPts val="0"/>
-                        </a:spcBef>
-                        <a:spcAft>
-                          <a:spcPts val="0"/>
-                        </a:spcAft>
-                      </a:pPr>
-                      <a:r>
-                        <a:rPr lang="en-US" sz="1150">
-                          <a:solidFill>
-                            <a:srgbClr val="000000"/>
-                          </a:solidFill>
-                          <a:latin typeface="Arial"/>
-                          <a:ea typeface="Times New Roman"/>
-                          <a:cs typeface="Times New Roman"/>
-                        </a:rPr>
-                        <a:t>To allow users to remove themselves from queue and display updated user “MyAccount”</a:t>
-                      </a:r>
-                      <a:endParaRPr lang="en-US" sz="1100">
-                        <a:latin typeface="Calibri"/>
-                        <a:ea typeface="Calibri"/>
-                        <a:cs typeface="Times New Roman"/>
-                      </a:endParaRPr>
-                    </a:p>
-                  </a:txBody>
-                  <a:tcPr marL="66675" marR="66675" marT="66675" marB="66675">
-                    <a:lnL w="12700" cap="flat" cmpd="sng" algn="ctr">
-                      <a:solidFill>
-                        <a:srgbClr val="000000"/>
-                      </a:solidFill>
-                      <a:prstDash val="solid"/>
-                      <a:round/>
-                      <a:headEnd type="none" w="med" len="med"/>
-                      <a:tailEnd type="none" w="med" len="med"/>
-                    </a:lnL>
-                    <a:lnR w="12700" cap="flat" cmpd="sng" algn="ctr">
-                      <a:solidFill>
-                        <a:srgbClr val="000000"/>
-                      </a:solidFill>
-                      <a:prstDash val="solid"/>
-                      <a:round/>
-                      <a:headEnd type="none" w="med" len="med"/>
-                      <a:tailEnd type="none" w="med" len="med"/>
-                    </a:lnR>
-                    <a:lnT w="12700" cap="flat" cmpd="sng" algn="ctr">
-                      <a:solidFill>
-                        <a:srgbClr val="000000"/>
-                      </a:solidFill>
-                      <a:prstDash val="solid"/>
-                      <a:round/>
-                      <a:headEnd type="none" w="med" len="med"/>
-                      <a:tailEnd type="none" w="med" len="med"/>
-                    </a:lnT>
-                    <a:lnB w="12700" cap="flat" cmpd="sng" algn="ctr">
-                      <a:solidFill>
-                        <a:srgbClr val="000000"/>
-                      </a:solidFill>
-                      <a:prstDash val="solid"/>
-                      <a:round/>
-                      <a:headEnd type="none" w="med" len="med"/>
-                      <a:tailEnd type="none" w="med" len="med"/>
-                    </a:lnB>
-                  </a:tcPr>
-                </a:tc>
-              </a:tr>
-              <a:tr h="0">
-                <a:tc>
-                  <a:txBody>
-                    <a:bodyPr/>
-                    <a:lstStyle/>
-                    <a:p>
-                      <a:pPr marL="0" marR="0">
-                        <a:lnSpc>
-                          <a:spcPct val="107000"/>
-                        </a:lnSpc>
-                        <a:spcBef>
-                          <a:spcPts val="0"/>
-                        </a:spcBef>
-                        <a:spcAft>
-                          <a:spcPts val="0"/>
-                        </a:spcAft>
-                      </a:pPr>
-                      <a:r>
-                        <a:rPr lang="en-US" sz="1150">
-                          <a:solidFill>
-                            <a:srgbClr val="000000"/>
-                          </a:solidFill>
-                          <a:latin typeface="Arial"/>
-                          <a:ea typeface="Times New Roman"/>
-                          <a:cs typeface="Times New Roman"/>
-                        </a:rPr>
-                        <a:t>Preconditions</a:t>
-                      </a:r>
-                      <a:endParaRPr lang="en-US" sz="1100">
-                        <a:latin typeface="Calibri"/>
-                        <a:ea typeface="Calibri"/>
-                        <a:cs typeface="Times New Roman"/>
-                      </a:endParaRPr>
-                    </a:p>
-                  </a:txBody>
-                  <a:tcPr marL="66675" marR="66675" marT="66675" marB="66675">
-                    <a:lnL w="12700" cap="flat" cmpd="sng" algn="ctr">
-                      <a:solidFill>
-                        <a:srgbClr val="000000"/>
-                      </a:solidFill>
-                      <a:prstDash val="solid"/>
-                      <a:round/>
-                      <a:headEnd type="none" w="med" len="med"/>
-                      <a:tailEnd type="none" w="med" len="med"/>
-                    </a:lnL>
-                    <a:lnR w="12700" cap="flat" cmpd="sng" algn="ctr">
-                      <a:solidFill>
-                        <a:srgbClr val="000000"/>
-                      </a:solidFill>
-                      <a:prstDash val="solid"/>
-                      <a:round/>
-                      <a:headEnd type="none" w="med" len="med"/>
-                      <a:tailEnd type="none" w="med" len="med"/>
-                    </a:lnR>
-                    <a:lnT w="12700" cap="flat" cmpd="sng" algn="ctr">
-                      <a:solidFill>
-                        <a:srgbClr val="000000"/>
-                      </a:solidFill>
-                      <a:prstDash val="solid"/>
-                      <a:round/>
-                      <a:headEnd type="none" w="med" len="med"/>
-                      <a:tailEnd type="none" w="med" len="med"/>
-                    </a:lnT>
-                    <a:lnB w="12700" cap="flat" cmpd="sng" algn="ctr">
-                      <a:solidFill>
-                        <a:srgbClr val="000000"/>
-                      </a:solidFill>
-                      <a:prstDash val="solid"/>
-                      <a:round/>
-                      <a:headEnd type="none" w="med" len="med"/>
-                      <a:tailEnd type="none" w="med" len="med"/>
-                    </a:lnB>
-                  </a:tcPr>
-                </a:tc>
-                <a:tc>
-                  <a:txBody>
-                    <a:bodyPr/>
-                    <a:lstStyle/>
-                    <a:p>
-                      <a:pPr marL="0" marR="0">
-                        <a:lnSpc>
-                          <a:spcPct val="107000"/>
-                        </a:lnSpc>
-                        <a:spcBef>
-                          <a:spcPts val="0"/>
-                        </a:spcBef>
-                        <a:spcAft>
-                          <a:spcPts val="0"/>
-                        </a:spcAft>
-                      </a:pPr>
-                      <a:r>
-                        <a:rPr lang="en-US" sz="1150">
-                          <a:solidFill>
-                            <a:srgbClr val="000000"/>
-                          </a:solidFill>
-                          <a:latin typeface="Arial"/>
-                          <a:ea typeface="Times New Roman"/>
-                          <a:cs typeface="Times New Roman"/>
-                        </a:rPr>
-                        <a:t>User is signed in to the system and has saved their edited/new schedule</a:t>
-                      </a:r>
-                      <a:endParaRPr lang="en-US" sz="1100">
-                        <a:latin typeface="Calibri"/>
-                        <a:ea typeface="Calibri"/>
-                        <a:cs typeface="Times New Roman"/>
-                      </a:endParaRPr>
-                    </a:p>
-                  </a:txBody>
-                  <a:tcPr marL="66675" marR="66675" marT="66675" marB="66675">
-                    <a:lnL w="12700" cap="flat" cmpd="sng" algn="ctr">
-                      <a:solidFill>
-                        <a:srgbClr val="000000"/>
-                      </a:solidFill>
-                      <a:prstDash val="solid"/>
-                      <a:round/>
-                      <a:headEnd type="none" w="med" len="med"/>
-                      <a:tailEnd type="none" w="med" len="med"/>
-                    </a:lnL>
-                    <a:lnR w="12700" cap="flat" cmpd="sng" algn="ctr">
-                      <a:solidFill>
-                        <a:srgbClr val="000000"/>
-                      </a:solidFill>
-                      <a:prstDash val="solid"/>
-                      <a:round/>
-                      <a:headEnd type="none" w="med" len="med"/>
-                      <a:tailEnd type="none" w="med" len="med"/>
-                    </a:lnR>
-                    <a:lnT w="12700" cap="flat" cmpd="sng" algn="ctr">
-                      <a:solidFill>
-                        <a:srgbClr val="000000"/>
-                      </a:solidFill>
-                      <a:prstDash val="solid"/>
-                      <a:round/>
-                      <a:headEnd type="none" w="med" len="med"/>
-                      <a:tailEnd type="none" w="med" len="med"/>
-                    </a:lnT>
-                    <a:lnB w="12700" cap="flat" cmpd="sng" algn="ctr">
-                      <a:solidFill>
-                        <a:srgbClr val="000000"/>
-                      </a:solidFill>
-                      <a:prstDash val="solid"/>
-                      <a:round/>
-                      <a:headEnd type="none" w="med" len="med"/>
-                      <a:tailEnd type="none" w="med" len="med"/>
-                    </a:lnB>
-                  </a:tcPr>
-                </a:tc>
-              </a:tr>
-              <a:tr h="0">
-                <a:tc>
-                  <a:txBody>
-                    <a:bodyPr/>
-                    <a:lstStyle/>
-                    <a:p>
-                      <a:pPr marL="0" marR="0">
-                        <a:lnSpc>
-                          <a:spcPct val="107000"/>
-                        </a:lnSpc>
-                        <a:spcBef>
-                          <a:spcPts val="0"/>
-                        </a:spcBef>
-                        <a:spcAft>
-                          <a:spcPts val="0"/>
-                        </a:spcAft>
-                      </a:pPr>
-                      <a:r>
-                        <a:rPr lang="en-US" sz="1150">
-                          <a:solidFill>
-                            <a:srgbClr val="000000"/>
-                          </a:solidFill>
-                          <a:latin typeface="Arial"/>
-                          <a:ea typeface="Times New Roman"/>
-                          <a:cs typeface="Times New Roman"/>
-                        </a:rPr>
-                        <a:t>Inputs</a:t>
-                      </a:r>
-                      <a:endParaRPr lang="en-US" sz="1100">
-                        <a:latin typeface="Calibri"/>
-                        <a:ea typeface="Calibri"/>
-                        <a:cs typeface="Times New Roman"/>
-                      </a:endParaRPr>
-                    </a:p>
-                  </a:txBody>
-                  <a:tcPr marL="66675" marR="66675" marT="66675" marB="66675">
-                    <a:lnL w="12700" cap="flat" cmpd="sng" algn="ctr">
-                      <a:solidFill>
-                        <a:srgbClr val="000000"/>
-                      </a:solidFill>
-                      <a:prstDash val="solid"/>
-                      <a:round/>
-                      <a:headEnd type="none" w="med" len="med"/>
-                      <a:tailEnd type="none" w="med" len="med"/>
-                    </a:lnL>
-                    <a:lnR w="12700" cap="flat" cmpd="sng" algn="ctr">
-                      <a:solidFill>
-                        <a:srgbClr val="000000"/>
-                      </a:solidFill>
-                      <a:prstDash val="solid"/>
-                      <a:round/>
-                      <a:headEnd type="none" w="med" len="med"/>
-                      <a:tailEnd type="none" w="med" len="med"/>
-                    </a:lnR>
-                    <a:lnT w="12700" cap="flat" cmpd="sng" algn="ctr">
-                      <a:solidFill>
-                        <a:srgbClr val="000000"/>
-                      </a:solidFill>
-                      <a:prstDash val="solid"/>
-                      <a:round/>
-                      <a:headEnd type="none" w="med" len="med"/>
-                      <a:tailEnd type="none" w="med" len="med"/>
-                    </a:lnT>
-                    <a:lnB w="12700" cap="flat" cmpd="sng" algn="ctr">
-                      <a:solidFill>
-                        <a:srgbClr val="000000"/>
-                      </a:solidFill>
-                      <a:prstDash val="solid"/>
-                      <a:round/>
-                      <a:headEnd type="none" w="med" len="med"/>
-                      <a:tailEnd type="none" w="med" len="med"/>
-                    </a:lnB>
-                  </a:tcPr>
-                </a:tc>
-                <a:tc>
-                  <a:txBody>
-                    <a:bodyPr/>
-                    <a:lstStyle/>
-                    <a:p>
-                      <a:pPr marL="0" marR="0">
-                        <a:lnSpc>
-                          <a:spcPct val="107000"/>
-                        </a:lnSpc>
-                        <a:spcBef>
-                          <a:spcPts val="0"/>
-                        </a:spcBef>
-                        <a:spcAft>
-                          <a:spcPts val="0"/>
-                        </a:spcAft>
-                      </a:pPr>
-                      <a:r>
-                        <a:rPr lang="en-US" sz="1150">
-                          <a:solidFill>
-                            <a:srgbClr val="000000"/>
-                          </a:solidFill>
-                          <a:latin typeface="Arial"/>
-                          <a:ea typeface="Times New Roman"/>
-                          <a:cs typeface="Times New Roman"/>
-                        </a:rPr>
-                        <a:t>User clicks remove multiple times before receiving the “Removed Succefully” notification</a:t>
-                      </a:r>
-                      <a:endParaRPr lang="en-US" sz="1100">
-                        <a:latin typeface="Calibri"/>
-                        <a:ea typeface="Calibri"/>
-                        <a:cs typeface="Times New Roman"/>
-                      </a:endParaRPr>
-                    </a:p>
-                  </a:txBody>
-                  <a:tcPr marL="66675" marR="66675" marT="66675" marB="66675">
-                    <a:lnL w="12700" cap="flat" cmpd="sng" algn="ctr">
-                      <a:solidFill>
-                        <a:srgbClr val="000000"/>
-                      </a:solidFill>
-                      <a:prstDash val="solid"/>
-                      <a:round/>
-                      <a:headEnd type="none" w="med" len="med"/>
-                      <a:tailEnd type="none" w="med" len="med"/>
-                    </a:lnL>
-                    <a:lnR w="12700" cap="flat" cmpd="sng" algn="ctr">
-                      <a:solidFill>
-                        <a:srgbClr val="000000"/>
-                      </a:solidFill>
-                      <a:prstDash val="solid"/>
-                      <a:round/>
-                      <a:headEnd type="none" w="med" len="med"/>
-                      <a:tailEnd type="none" w="med" len="med"/>
-                    </a:lnR>
-                    <a:lnT w="12700" cap="flat" cmpd="sng" algn="ctr">
-                      <a:solidFill>
-                        <a:srgbClr val="000000"/>
-                      </a:solidFill>
-                      <a:prstDash val="solid"/>
-                      <a:round/>
-                      <a:headEnd type="none" w="med" len="med"/>
-                      <a:tailEnd type="none" w="med" len="med"/>
-                    </a:lnT>
-                    <a:lnB w="12700" cap="flat" cmpd="sng" algn="ctr">
-                      <a:solidFill>
-                        <a:srgbClr val="000000"/>
-                      </a:solidFill>
-                      <a:prstDash val="solid"/>
-                      <a:round/>
-                      <a:headEnd type="none" w="med" len="med"/>
-                      <a:tailEnd type="none" w="med" len="med"/>
-                    </a:lnB>
-                  </a:tcPr>
-                </a:tc>
-              </a:tr>
-              <a:tr h="0">
-                <a:tc>
-                  <a:txBody>
-                    <a:bodyPr/>
-                    <a:lstStyle/>
-                    <a:p>
-                      <a:pPr marL="0" marR="0">
-                        <a:lnSpc>
-                          <a:spcPct val="107000"/>
-                        </a:lnSpc>
-                        <a:spcBef>
-                          <a:spcPts val="0"/>
-                        </a:spcBef>
-                        <a:spcAft>
-                          <a:spcPts val="0"/>
-                        </a:spcAft>
-                      </a:pPr>
-                      <a:r>
-                        <a:rPr lang="en-US" sz="1150">
-                          <a:solidFill>
-                            <a:srgbClr val="000000"/>
-                          </a:solidFill>
-                          <a:latin typeface="Arial"/>
-                          <a:ea typeface="Times New Roman"/>
-                          <a:cs typeface="Times New Roman"/>
-                        </a:rPr>
-                        <a:t>Expected Response</a:t>
-                      </a:r>
-                      <a:endParaRPr lang="en-US" sz="1100">
-                        <a:latin typeface="Calibri"/>
-                        <a:ea typeface="Calibri"/>
-                        <a:cs typeface="Times New Roman"/>
-                      </a:endParaRPr>
-                    </a:p>
-                  </a:txBody>
-                  <a:tcPr marL="66675" marR="66675" marT="66675" marB="66675">
-                    <a:lnL w="12700" cap="flat" cmpd="sng" algn="ctr">
-                      <a:solidFill>
-                        <a:srgbClr val="000000"/>
-                      </a:solidFill>
-                      <a:prstDash val="solid"/>
-                      <a:round/>
-                      <a:headEnd type="none" w="med" len="med"/>
-                      <a:tailEnd type="none" w="med" len="med"/>
-                    </a:lnL>
-                    <a:lnR w="12700" cap="flat" cmpd="sng" algn="ctr">
-                      <a:solidFill>
-                        <a:srgbClr val="000000"/>
-                      </a:solidFill>
-                      <a:prstDash val="solid"/>
-                      <a:round/>
-                      <a:headEnd type="none" w="med" len="med"/>
-                      <a:tailEnd type="none" w="med" len="med"/>
-                    </a:lnR>
-                    <a:lnT w="12700" cap="flat" cmpd="sng" algn="ctr">
-                      <a:solidFill>
-                        <a:srgbClr val="000000"/>
-                      </a:solidFill>
-                      <a:prstDash val="solid"/>
-                      <a:round/>
-                      <a:headEnd type="none" w="med" len="med"/>
-                      <a:tailEnd type="none" w="med" len="med"/>
-                    </a:lnT>
-                    <a:lnB w="12700" cap="flat" cmpd="sng" algn="ctr">
-                      <a:solidFill>
-                        <a:srgbClr val="000000"/>
-                      </a:solidFill>
-                      <a:prstDash val="solid"/>
-                      <a:round/>
-                      <a:headEnd type="none" w="med" len="med"/>
-                      <a:tailEnd type="none" w="med" len="med"/>
-                    </a:lnB>
-                  </a:tcPr>
-                </a:tc>
-                <a:tc>
-                  <a:txBody>
-                    <a:bodyPr/>
-                    <a:lstStyle/>
-                    <a:p>
-                      <a:pPr marL="0" marR="0">
-                        <a:lnSpc>
-                          <a:spcPct val="107000"/>
-                        </a:lnSpc>
-                        <a:spcBef>
-                          <a:spcPts val="0"/>
-                        </a:spcBef>
-                        <a:spcAft>
-                          <a:spcPts val="0"/>
-                        </a:spcAft>
-                      </a:pPr>
-                      <a:r>
-                        <a:rPr lang="en-US" sz="1150">
-                          <a:solidFill>
-                            <a:srgbClr val="000000"/>
-                          </a:solidFill>
-                          <a:latin typeface="Arial"/>
-                          <a:ea typeface="Times New Roman"/>
-                          <a:cs typeface="Times New Roman"/>
-                        </a:rPr>
-                        <a:t>“MyAccounts” list of users list of activities be updated to remove the selected ride multiple times</a:t>
-                      </a:r>
-                      <a:endParaRPr lang="en-US" sz="1100">
-                        <a:latin typeface="Calibri"/>
-                        <a:ea typeface="Calibri"/>
-                        <a:cs typeface="Times New Roman"/>
-                      </a:endParaRPr>
-                    </a:p>
-                  </a:txBody>
-                  <a:tcPr marL="66675" marR="66675" marT="66675" marB="66675">
-                    <a:lnL w="12700" cap="flat" cmpd="sng" algn="ctr">
-                      <a:solidFill>
-                        <a:srgbClr val="000000"/>
-                      </a:solidFill>
-                      <a:prstDash val="solid"/>
-                      <a:round/>
-                      <a:headEnd type="none" w="med" len="med"/>
-                      <a:tailEnd type="none" w="med" len="med"/>
-                    </a:lnL>
-                    <a:lnR w="12700" cap="flat" cmpd="sng" algn="ctr">
-                      <a:solidFill>
-                        <a:srgbClr val="000000"/>
-                      </a:solidFill>
-                      <a:prstDash val="solid"/>
-                      <a:round/>
-                      <a:headEnd type="none" w="med" len="med"/>
-                      <a:tailEnd type="none" w="med" len="med"/>
-                    </a:lnR>
-                    <a:lnT w="12700" cap="flat" cmpd="sng" algn="ctr">
-                      <a:solidFill>
-                        <a:srgbClr val="000000"/>
-                      </a:solidFill>
-                      <a:prstDash val="solid"/>
-                      <a:round/>
-                      <a:headEnd type="none" w="med" len="med"/>
-                      <a:tailEnd type="none" w="med" len="med"/>
-                    </a:lnT>
-                    <a:lnB w="12700" cap="flat" cmpd="sng" algn="ctr">
-                      <a:solidFill>
-                        <a:srgbClr val="000000"/>
-                      </a:solidFill>
-                      <a:prstDash val="solid"/>
-                      <a:round/>
-                      <a:headEnd type="none" w="med" len="med"/>
-                      <a:tailEnd type="none" w="med" len="med"/>
-                    </a:lnB>
-                  </a:tcPr>
-                </a:tc>
-              </a:tr>
-              <a:tr h="0">
-                <a:tc>
-                  <a:txBody>
-                    <a:bodyPr/>
-                    <a:lstStyle/>
-                    <a:p>
-                      <a:pPr marL="0" marR="0">
-                        <a:lnSpc>
-                          <a:spcPct val="107000"/>
-                        </a:lnSpc>
-                        <a:spcBef>
-                          <a:spcPts val="0"/>
-                        </a:spcBef>
-                        <a:spcAft>
-                          <a:spcPts val="0"/>
-                        </a:spcAft>
-                      </a:pPr>
-                      <a:r>
-                        <a:rPr lang="en-US" sz="1150">
-                          <a:solidFill>
-                            <a:srgbClr val="000000"/>
-                          </a:solidFill>
-                          <a:latin typeface="Arial"/>
-                          <a:ea typeface="Times New Roman"/>
-                          <a:cs typeface="Times New Roman"/>
-                        </a:rPr>
-                        <a:t>Actual Response</a:t>
-                      </a:r>
-                      <a:endParaRPr lang="en-US" sz="1100">
-                        <a:latin typeface="Calibri"/>
-                        <a:ea typeface="Calibri"/>
-                        <a:cs typeface="Times New Roman"/>
-                      </a:endParaRPr>
-                    </a:p>
-                  </a:txBody>
-                  <a:tcPr marL="66675" marR="66675" marT="66675" marB="66675">
-                    <a:lnL w="12700" cap="flat" cmpd="sng" algn="ctr">
-                      <a:solidFill>
-                        <a:srgbClr val="000000"/>
-                      </a:solidFill>
-                      <a:prstDash val="solid"/>
-                      <a:round/>
-                      <a:headEnd type="none" w="med" len="med"/>
-                      <a:tailEnd type="none" w="med" len="med"/>
-                    </a:lnL>
-                    <a:lnR w="12700" cap="flat" cmpd="sng" algn="ctr">
-                      <a:solidFill>
-                        <a:srgbClr val="000000"/>
-                      </a:solidFill>
-                      <a:prstDash val="solid"/>
-                      <a:round/>
-                      <a:headEnd type="none" w="med" len="med"/>
-                      <a:tailEnd type="none" w="med" len="med"/>
-                    </a:lnR>
-                    <a:lnT w="12700" cap="flat" cmpd="sng" algn="ctr">
-                      <a:solidFill>
-                        <a:srgbClr val="000000"/>
-                      </a:solidFill>
-                      <a:prstDash val="solid"/>
-                      <a:round/>
-                      <a:headEnd type="none" w="med" len="med"/>
-                      <a:tailEnd type="none" w="med" len="med"/>
-                    </a:lnT>
-                    <a:lnB w="12700" cap="flat" cmpd="sng" algn="ctr">
-                      <a:solidFill>
-                        <a:srgbClr val="000000"/>
-                      </a:solidFill>
-                      <a:prstDash val="solid"/>
-                      <a:round/>
-                      <a:headEnd type="none" w="med" len="med"/>
-                      <a:tailEnd type="none" w="med" len="med"/>
-                    </a:lnB>
-                  </a:tcPr>
-                </a:tc>
-                <a:tc>
-                  <a:txBody>
-                    <a:bodyPr/>
-                    <a:lstStyle/>
-                    <a:p>
-                      <a:pPr marL="0" marR="0">
-                        <a:lnSpc>
-                          <a:spcPct val="107000"/>
-                        </a:lnSpc>
-                        <a:spcBef>
-                          <a:spcPts val="0"/>
-                        </a:spcBef>
-                        <a:spcAft>
-                          <a:spcPts val="0"/>
-                        </a:spcAft>
-                      </a:pPr>
-                      <a:r>
-                        <a:rPr lang="en-US" sz="1150">
-                          <a:solidFill>
-                            <a:srgbClr val="000000"/>
-                          </a:solidFill>
-                          <a:latin typeface="Arial"/>
-                          <a:ea typeface="Times New Roman"/>
-                          <a:cs typeface="Times New Roman"/>
-                        </a:rPr>
-                        <a:t>“MyAccounts” list of users list of activities is updated to not include the selected ride</a:t>
-                      </a:r>
-                      <a:endParaRPr lang="en-US" sz="1100">
-                        <a:latin typeface="Calibri"/>
-                        <a:ea typeface="Calibri"/>
-                        <a:cs typeface="Times New Roman"/>
-                      </a:endParaRPr>
-                    </a:p>
-                  </a:txBody>
-                  <a:tcPr marL="66675" marR="66675" marT="66675" marB="66675">
-                    <a:lnL w="12700" cap="flat" cmpd="sng" algn="ctr">
-                      <a:solidFill>
-                        <a:srgbClr val="000000"/>
-                      </a:solidFill>
-                      <a:prstDash val="solid"/>
-                      <a:round/>
-                      <a:headEnd type="none" w="med" len="med"/>
-                      <a:tailEnd type="none" w="med" len="med"/>
-                    </a:lnL>
-                    <a:lnR w="12700" cap="flat" cmpd="sng" algn="ctr">
-                      <a:solidFill>
-                        <a:srgbClr val="000000"/>
-                      </a:solidFill>
-                      <a:prstDash val="solid"/>
-                      <a:round/>
-                      <a:headEnd type="none" w="med" len="med"/>
-                      <a:tailEnd type="none" w="med" len="med"/>
-                    </a:lnR>
-                    <a:lnT w="12700" cap="flat" cmpd="sng" algn="ctr">
-                      <a:solidFill>
-                        <a:srgbClr val="000000"/>
-                      </a:solidFill>
-                      <a:prstDash val="solid"/>
-                      <a:round/>
-                      <a:headEnd type="none" w="med" len="med"/>
-                      <a:tailEnd type="none" w="med" len="med"/>
-                    </a:lnT>
-                    <a:lnB w="12700" cap="flat" cmpd="sng" algn="ctr">
-                      <a:solidFill>
-                        <a:srgbClr val="000000"/>
-                      </a:solidFill>
-                      <a:prstDash val="solid"/>
-                      <a:round/>
-                      <a:headEnd type="none" w="med" len="med"/>
-                      <a:tailEnd type="none" w="med" len="med"/>
-                    </a:lnB>
-                  </a:tcPr>
-                </a:tc>
-              </a:tr>
-              <a:tr h="0">
-                <a:tc>
-                  <a:txBody>
-                    <a:bodyPr/>
-                    <a:lstStyle/>
-                    <a:p>
-                      <a:pPr marL="0" marR="0">
-                        <a:lnSpc>
-                          <a:spcPct val="107000"/>
-                        </a:lnSpc>
-                        <a:spcBef>
-                          <a:spcPts val="0"/>
-                        </a:spcBef>
-                        <a:spcAft>
-                          <a:spcPts val="0"/>
-                        </a:spcAft>
-                      </a:pPr>
-                      <a:r>
-                        <a:rPr lang="en-US" sz="1150">
-                          <a:solidFill>
-                            <a:srgbClr val="000000"/>
-                          </a:solidFill>
-                          <a:latin typeface="Arial"/>
-                          <a:ea typeface="Times New Roman"/>
-                          <a:cs typeface="Times New Roman"/>
-                        </a:rPr>
-                        <a:t>Result</a:t>
-                      </a:r>
-                      <a:endParaRPr lang="en-US" sz="1100">
-                        <a:latin typeface="Calibri"/>
-                        <a:ea typeface="Calibri"/>
-                        <a:cs typeface="Times New Roman"/>
-                      </a:endParaRPr>
-                    </a:p>
-                  </a:txBody>
-                  <a:tcPr marL="66675" marR="66675" marT="66675" marB="66675">
-                    <a:lnL w="12700" cap="flat" cmpd="sng" algn="ctr">
-                      <a:solidFill>
-                        <a:srgbClr val="000000"/>
-                      </a:solidFill>
-                      <a:prstDash val="solid"/>
-                      <a:round/>
-                      <a:headEnd type="none" w="med" len="med"/>
-                      <a:tailEnd type="none" w="med" len="med"/>
-                    </a:lnL>
-                    <a:lnR w="12700" cap="flat" cmpd="sng" algn="ctr">
-                      <a:solidFill>
-                        <a:srgbClr val="000000"/>
-                      </a:solidFill>
-                      <a:prstDash val="solid"/>
-                      <a:round/>
-                      <a:headEnd type="none" w="med" len="med"/>
-                      <a:tailEnd type="none" w="med" len="med"/>
-                    </a:lnR>
-                    <a:lnT w="12700" cap="flat" cmpd="sng" algn="ctr">
-                      <a:solidFill>
-                        <a:srgbClr val="000000"/>
-                      </a:solidFill>
-                      <a:prstDash val="solid"/>
-                      <a:round/>
-                      <a:headEnd type="none" w="med" len="med"/>
-                      <a:tailEnd type="none" w="med" len="med"/>
-                    </a:lnT>
-                    <a:lnB w="12700" cap="flat" cmpd="sng" algn="ctr">
-                      <a:solidFill>
-                        <a:srgbClr val="000000"/>
-                      </a:solidFill>
-                      <a:prstDash val="solid"/>
-                      <a:round/>
-                      <a:headEnd type="none" w="med" len="med"/>
-                      <a:tailEnd type="none" w="med" len="med"/>
-                    </a:lnB>
-                  </a:tcPr>
-                </a:tc>
-                <a:tc>
-                  <a:txBody>
-                    <a:bodyPr/>
-                    <a:lstStyle/>
-                    <a:p>
-                      <a:pPr marL="0" marR="0">
-                        <a:lnSpc>
-                          <a:spcPct val="107000"/>
-                        </a:lnSpc>
-                        <a:spcBef>
-                          <a:spcPts val="0"/>
-                        </a:spcBef>
-                        <a:spcAft>
-                          <a:spcPts val="0"/>
-                        </a:spcAft>
-                      </a:pPr>
-                      <a:r>
-                        <a:rPr lang="en-US" sz="1150">
-                          <a:solidFill>
-                            <a:srgbClr val="000000"/>
-                          </a:solidFill>
-                          <a:latin typeface="Arial"/>
-                          <a:ea typeface="Times New Roman"/>
-                          <a:cs typeface="Times New Roman"/>
-                        </a:rPr>
-                        <a:t>Pass</a:t>
-                      </a:r>
-                      <a:endParaRPr lang="en-US" sz="1100">
-                        <a:latin typeface="Calibri"/>
-                        <a:ea typeface="Calibri"/>
-                        <a:cs typeface="Times New Roman"/>
-                      </a:endParaRPr>
-                    </a:p>
-                  </a:txBody>
-                  <a:tcPr marL="66675" marR="66675" marT="66675" marB="66675">
-                    <a:lnL w="12700" cap="flat" cmpd="sng" algn="ctr">
-                      <a:solidFill>
-                        <a:srgbClr val="000000"/>
-                      </a:solidFill>
-                      <a:prstDash val="solid"/>
-                      <a:round/>
-                      <a:headEnd type="none" w="med" len="med"/>
-                      <a:tailEnd type="none" w="med" len="med"/>
-                    </a:lnL>
-                    <a:lnR w="12700" cap="flat" cmpd="sng" algn="ctr">
-                      <a:solidFill>
-                        <a:srgbClr val="000000"/>
-                      </a:solidFill>
-                      <a:prstDash val="solid"/>
-                      <a:round/>
-                      <a:headEnd type="none" w="med" len="med"/>
-                      <a:tailEnd type="none" w="med" len="med"/>
-                    </a:lnR>
-                    <a:lnT w="12700" cap="flat" cmpd="sng" algn="ctr">
-                      <a:solidFill>
-                        <a:srgbClr val="000000"/>
-                      </a:solidFill>
-                      <a:prstDash val="solid"/>
-                      <a:round/>
-                      <a:headEnd type="none" w="med" len="med"/>
-                      <a:tailEnd type="none" w="med" len="med"/>
-                    </a:lnT>
-                    <a:lnB w="12700" cap="flat" cmpd="sng" algn="ctr">
-                      <a:solidFill>
-                        <a:srgbClr val="000000"/>
-                      </a:solidFill>
-                      <a:prstDash val="solid"/>
-                      <a:round/>
-                      <a:headEnd type="none" w="med" len="med"/>
-                      <a:tailEnd type="none" w="med" len="med"/>
-                    </a:lnB>
-                  </a:tcPr>
-                </a:tc>
-              </a:tr>
-              <a:tr h="0">
-                <a:tc>
-                  <a:txBody>
-                    <a:bodyPr/>
-                    <a:lstStyle/>
-                    <a:p>
-                      <a:pPr marL="0" marR="0">
-                        <a:lnSpc>
-                          <a:spcPct val="107000"/>
-                        </a:lnSpc>
-                        <a:spcBef>
-                          <a:spcPts val="0"/>
-                        </a:spcBef>
-                        <a:spcAft>
-                          <a:spcPts val="0"/>
-                        </a:spcAft>
-                      </a:pPr>
-                      <a:r>
-                        <a:rPr lang="en-US" sz="1150">
-                          <a:solidFill>
-                            <a:srgbClr val="000000"/>
-                          </a:solidFill>
-                          <a:latin typeface="Arial"/>
-                          <a:ea typeface="Times New Roman"/>
-                          <a:cs typeface="Times New Roman"/>
-                        </a:rPr>
-                        <a:t>Comments</a:t>
-                      </a:r>
-                      <a:endParaRPr lang="en-US" sz="1100">
-                        <a:latin typeface="Calibri"/>
-                        <a:ea typeface="Calibri"/>
-                        <a:cs typeface="Times New Roman"/>
-                      </a:endParaRPr>
-                    </a:p>
-                  </a:txBody>
-                  <a:tcPr marL="66675" marR="66675" marT="66675" marB="66675">
-                    <a:lnL w="12700" cap="flat" cmpd="sng" algn="ctr">
-                      <a:solidFill>
-                        <a:srgbClr val="000000"/>
-                      </a:solidFill>
-                      <a:prstDash val="solid"/>
-                      <a:round/>
-                      <a:headEnd type="none" w="med" len="med"/>
-                      <a:tailEnd type="none" w="med" len="med"/>
-                    </a:lnL>
-                    <a:lnR w="12700" cap="flat" cmpd="sng" algn="ctr">
-                      <a:solidFill>
-                        <a:srgbClr val="000000"/>
-                      </a:solidFill>
-                      <a:prstDash val="solid"/>
-                      <a:round/>
-                      <a:headEnd type="none" w="med" len="med"/>
-                      <a:tailEnd type="none" w="med" len="med"/>
-                    </a:lnR>
-                    <a:lnT w="12700" cap="flat" cmpd="sng" algn="ctr">
-                      <a:solidFill>
-                        <a:srgbClr val="000000"/>
-                      </a:solidFill>
-                      <a:prstDash val="solid"/>
-                      <a:round/>
-                      <a:headEnd type="none" w="med" len="med"/>
-                      <a:tailEnd type="none" w="med" len="med"/>
-                    </a:lnT>
-                    <a:lnB w="12700" cap="flat" cmpd="sng" algn="ctr">
-                      <a:solidFill>
-                        <a:srgbClr val="000000"/>
-                      </a:solidFill>
-                      <a:prstDash val="solid"/>
-                      <a:round/>
-                      <a:headEnd type="none" w="med" len="med"/>
-                      <a:tailEnd type="none" w="med" len="med"/>
-                    </a:lnB>
-                  </a:tcPr>
-                </a:tc>
-                <a:tc>
-                  <a:txBody>
-                    <a:bodyPr/>
-                    <a:lstStyle/>
-                    <a:p>
-                      <a:pPr>
-                        <a:lnSpc>
-                          <a:spcPct val="107000"/>
-                        </a:lnSpc>
-                      </a:pPr>
-                      <a:endParaRPr lang="en-US" sz="1100" dirty="0">
-                        <a:latin typeface="Calibri"/>
-                        <a:ea typeface="Times New Roman"/>
-                      </a:endParaRPr>
-                    </a:p>
-                  </a:txBody>
-                  <a:tcPr marL="66675" marR="66675" marT="66675" marB="66675">
-                    <a:lnL w="12700" cap="flat" cmpd="sng" algn="ctr">
-                      <a:solidFill>
-                        <a:srgbClr val="000000"/>
-                      </a:solidFill>
-                      <a:prstDash val="solid"/>
-                      <a:round/>
-                      <a:headEnd type="none" w="med" len="med"/>
-                      <a:tailEnd type="none" w="med" len="med"/>
-                    </a:lnL>
-                    <a:lnR w="12700" cap="flat" cmpd="sng" algn="ctr">
-                      <a:solidFill>
-                        <a:srgbClr val="000000"/>
-                      </a:solidFill>
-                      <a:prstDash val="solid"/>
-                      <a:round/>
-                      <a:headEnd type="none" w="med" len="med"/>
-                      <a:tailEnd type="none" w="med" len="med"/>
-                    </a:lnR>
-                    <a:lnT w="12700" cap="flat" cmpd="sng" algn="ctr">
-                      <a:solidFill>
-                        <a:srgbClr val="000000"/>
-                      </a:solidFill>
-                      <a:prstDash val="solid"/>
-                      <a:round/>
-                      <a:headEnd type="none" w="med" len="med"/>
-                      <a:tailEnd type="none" w="med" len="med"/>
-                    </a:lnT>
-                    <a:lnB w="12700" cap="flat" cmpd="sng" algn="ctr">
-                      <a:solidFill>
-                        <a:srgbClr val="000000"/>
-                      </a:solidFill>
-                      <a:prstDash val="solid"/>
-                      <a:round/>
-                      <a:headEnd type="none" w="med" len="med"/>
-                      <a:tailEnd type="none" w="med" len="med"/>
-                    </a:lnB>
-                  </a:tcPr>
-                </a:tc>
-              </a:tr>
-            </a:tbl>
-          </a:graphicData>
-        </a:graphic>
-      </p:graphicFrame>
-      <p:sp>
-        <p:nvSpPr>
-          <p:cNvPr id="3" name="Title 2"/>
-          <p:cNvSpPr>
-            <a:spLocks noGrp="1"/>
-          </p:cNvSpPr>
-          <p:nvPr>
-            <p:ph type="title"/>
-          </p:nvPr>
-        </p:nvSpPr>
-        <p:spPr>
-          <a:xfrm>
-            <a:off x="304800" y="274638"/>
-            <a:ext cx="8534400" cy="1143000"/>
-          </a:xfrm>
-        </p:spPr>
-        <p:txBody>
-          <a:bodyPr>
-            <a:normAutofit fontScale="90000"/>
-          </a:bodyPr>
-          <a:lstStyle/>
-          <a:p>
-            <a:pPr algn="ctr"/>
-            <a:r>
-              <a:rPr lang="en-US" dirty="0" smtClean="0"/>
-              <a:t>Test Cases: Rainy Day</a:t>
-            </a:r>
-            <a:br>
-              <a:rPr lang="en-US" dirty="0" smtClean="0"/>
-            </a:br>
-            <a:r>
-              <a:rPr lang="en-US" dirty="0" smtClean="0"/>
-              <a:t> Simulate </a:t>
-            </a:r>
-            <a:r>
-              <a:rPr lang="en-US" dirty="0" err="1" smtClean="0"/>
-              <a:t>Dequeue</a:t>
-            </a:r>
-            <a:r>
-              <a:rPr lang="en-US" dirty="0" smtClean="0"/>
-              <a:t> Visitors for Rides</a:t>
-            </a:r>
-            <a:endParaRPr lang="en-US" dirty="0"/>
-          </a:p>
-        </p:txBody>
-      </p:sp>
-    </p:spTree>
-  </p:cSld>
-  <p:clrMapOvr>
-    <a:masterClrMapping/>
-  </p:clrMapOvr>
-  <p:timing>
-    <p:tnLst>
-      <p:par>
-        <p:cTn id="1" dur="indefinite" restart="never" nodeType="tmRoot"/>
-      </p:par>
-    </p:tnLst>
-  </p:timing>
-</p:sld>
-</file>
-
-<file path=ppt/slides/slide28.xml><?xml version="1.0" encoding="utf-8"?>
-<p:sld xmlns:a="http://schemas.openxmlformats.org/drawingml/2006/main" xmlns:r="http://schemas.openxmlformats.org/officeDocument/2006/relationships" xmlns:p="http://schemas.openxmlformats.org/presentationml/2006/main">
-  <p:cSld>
-    <p:spTree>
-      <p:nvGrpSpPr>
-        <p:cNvPr id="1" name=""/>
-        <p:cNvGrpSpPr/>
-        <p:nvPr/>
-      </p:nvGrpSpPr>
-      <p:grpSpPr>
-        <a:xfrm>
-          <a:off x="0" y="0"/>
-          <a:ext cx="0" cy="0"/>
-          <a:chOff x="0" y="0"/>
-          <a:chExt cx="0" cy="0"/>
-        </a:xfrm>
-      </p:grpSpPr>
-      <p:sp>
-        <p:nvSpPr>
-          <p:cNvPr id="3" name="Title 2"/>
-          <p:cNvSpPr>
-            <a:spLocks noGrp="1"/>
-          </p:cNvSpPr>
-          <p:nvPr>
-            <p:ph type="title"/>
-          </p:nvPr>
-        </p:nvSpPr>
-        <p:spPr>
-          <a:xfrm>
-            <a:off x="304800" y="274638"/>
-            <a:ext cx="8458200" cy="1143000"/>
-          </a:xfrm>
-        </p:spPr>
-        <p:txBody>
-          <a:bodyPr>
-            <a:normAutofit fontScale="90000"/>
-          </a:bodyPr>
-          <a:lstStyle/>
-          <a:p>
-            <a:pPr algn="ctr"/>
-            <a:r>
-              <a:rPr lang="en-US" dirty="0" smtClean="0"/>
-              <a:t>Test Script</a:t>
-            </a:r>
-            <a:br>
-              <a:rPr lang="en-US" dirty="0" smtClean="0"/>
-            </a:br>
-            <a:r>
-              <a:rPr lang="en-US" dirty="0" smtClean="0"/>
-              <a:t>Simulate </a:t>
-            </a:r>
-            <a:r>
-              <a:rPr lang="en-US" dirty="0" err="1" smtClean="0"/>
-              <a:t>Dequeue</a:t>
-            </a:r>
-            <a:r>
-              <a:rPr lang="en-US" dirty="0" smtClean="0"/>
-              <a:t> Visitors for Rides</a:t>
-            </a:r>
-            <a:endParaRPr lang="en-US" dirty="0"/>
-          </a:p>
-        </p:txBody>
-      </p:sp>
-      <p:pic>
-        <p:nvPicPr>
-          <p:cNvPr id="46083" name="Picture 3"/>
-          <p:cNvPicPr>
-            <a:picLocks noGrp="1" noChangeAspect="1" noChangeArrowheads="1"/>
-          </p:cNvPicPr>
-          <p:nvPr>
-            <p:ph idx="1"/>
-          </p:nvPr>
-        </p:nvPicPr>
-        <p:blipFill>
-          <a:blip r:embed="rId2"/>
-          <a:srcRect/>
-          <a:stretch>
-            <a:fillRect/>
-          </a:stretch>
-        </p:blipFill>
-        <p:spPr bwMode="auto">
-          <a:xfrm>
-            <a:off x="1682474" y="1481138"/>
-            <a:ext cx="5779052" cy="4525962"/>
           </a:xfrm>
           <a:prstGeom prst="rect">
             <a:avLst/>
